--- a/generator.pptx
+++ b/generator.pptx
@@ -7,10 +7,11 @@
   <p:sldIdLst>
     <p:sldId id="261" r:id="rId2"/>
     <p:sldId id="259" r:id="rId3"/>
-    <p:sldId id="256" r:id="rId4"/>
-    <p:sldId id="257" r:id="rId5"/>
-    <p:sldId id="260" r:id="rId6"/>
-    <p:sldId id="258" r:id="rId7"/>
+    <p:sldId id="262" r:id="rId4"/>
+    <p:sldId id="256" r:id="rId5"/>
+    <p:sldId id="257" r:id="rId6"/>
+    <p:sldId id="260" r:id="rId7"/>
+    <p:sldId id="258" r:id="rId8"/>
   </p:sldIdLst>
   <p:sldSz cx="12192000" cy="6858000"/>
   <p:notesSz cx="6858000" cy="9144000"/>
@@ -263,7 +264,7 @@
           <a:lstStyle/>
           <a:p>
             <a:fld id="{5F491023-0B0A-7041-9F06-D25A50EF063B}" type="datetimeFigureOut">
-              <a:t>10/14/22</a:t>
+              <a:t>4/22/25</a:t>
             </a:fld>
             <a:endParaRPr lang="en-US"/>
           </a:p>
@@ -459,7 +460,7 @@
           <a:lstStyle/>
           <a:p>
             <a:fld id="{5F491023-0B0A-7041-9F06-D25A50EF063B}" type="datetimeFigureOut">
-              <a:t>10/14/22</a:t>
+              <a:t>4/22/25</a:t>
             </a:fld>
             <a:endParaRPr lang="en-US"/>
           </a:p>
@@ -665,7 +666,7 @@
           <a:lstStyle/>
           <a:p>
             <a:fld id="{5F491023-0B0A-7041-9F06-D25A50EF063B}" type="datetimeFigureOut">
-              <a:t>10/14/22</a:t>
+              <a:t>4/22/25</a:t>
             </a:fld>
             <a:endParaRPr lang="en-US"/>
           </a:p>
@@ -861,7 +862,7 @@
           <a:lstStyle/>
           <a:p>
             <a:fld id="{5F491023-0B0A-7041-9F06-D25A50EF063B}" type="datetimeFigureOut">
-              <a:t>10/14/22</a:t>
+              <a:t>4/22/25</a:t>
             </a:fld>
             <a:endParaRPr lang="en-US"/>
           </a:p>
@@ -1134,7 +1135,7 @@
           <a:lstStyle/>
           <a:p>
             <a:fld id="{5F491023-0B0A-7041-9F06-D25A50EF063B}" type="datetimeFigureOut">
-              <a:t>10/14/22</a:t>
+              <a:t>4/22/25</a:t>
             </a:fld>
             <a:endParaRPr lang="en-US"/>
           </a:p>
@@ -1397,7 +1398,7 @@
           <a:lstStyle/>
           <a:p>
             <a:fld id="{5F491023-0B0A-7041-9F06-D25A50EF063B}" type="datetimeFigureOut">
-              <a:t>10/14/22</a:t>
+              <a:t>4/22/25</a:t>
             </a:fld>
             <a:endParaRPr lang="en-US"/>
           </a:p>
@@ -1807,7 +1808,7 @@
           <a:lstStyle/>
           <a:p>
             <a:fld id="{5F491023-0B0A-7041-9F06-D25A50EF063B}" type="datetimeFigureOut">
-              <a:t>10/14/22</a:t>
+              <a:t>4/22/25</a:t>
             </a:fld>
             <a:endParaRPr lang="en-US"/>
           </a:p>
@@ -1946,7 +1947,7 @@
           <a:lstStyle/>
           <a:p>
             <a:fld id="{5F491023-0B0A-7041-9F06-D25A50EF063B}" type="datetimeFigureOut">
-              <a:t>10/14/22</a:t>
+              <a:t>4/22/25</a:t>
             </a:fld>
             <a:endParaRPr lang="en-US"/>
           </a:p>
@@ -2057,7 +2058,7 @@
           <a:lstStyle/>
           <a:p>
             <a:fld id="{5F491023-0B0A-7041-9F06-D25A50EF063B}" type="datetimeFigureOut">
-              <a:t>10/14/22</a:t>
+              <a:t>4/22/25</a:t>
             </a:fld>
             <a:endParaRPr lang="en-US"/>
           </a:p>
@@ -2366,7 +2367,7 @@
           <a:lstStyle/>
           <a:p>
             <a:fld id="{5F491023-0B0A-7041-9F06-D25A50EF063B}" type="datetimeFigureOut">
-              <a:t>10/14/22</a:t>
+              <a:t>4/22/25</a:t>
             </a:fld>
             <a:endParaRPr lang="en-US"/>
           </a:p>
@@ -2652,7 +2653,7 @@
           <a:lstStyle/>
           <a:p>
             <a:fld id="{5F491023-0B0A-7041-9F06-D25A50EF063B}" type="datetimeFigureOut">
-              <a:t>10/14/22</a:t>
+              <a:t>4/22/25</a:t>
             </a:fld>
             <a:endParaRPr lang="en-US"/>
           </a:p>
@@ -2891,7 +2892,7 @@
           </a:lstStyle>
           <a:p>
             <a:fld id="{5F491023-0B0A-7041-9F06-D25A50EF063B}" type="datetimeFigureOut">
-              <a:t>10/14/22</a:t>
+              <a:t>4/22/25</a:t>
             </a:fld>
             <a:endParaRPr lang="en-US"/>
           </a:p>
@@ -3321,8 +3322,8 @@
         </p:nvSpPr>
         <p:spPr>
           <a:xfrm>
-            <a:off x="2501900" y="2705725"/>
-            <a:ext cx="7188200" cy="1446550"/>
+            <a:off x="3261457" y="150095"/>
+            <a:ext cx="5669085" cy="1446550"/>
           </a:xfrm>
           <a:prstGeom prst="rect">
             <a:avLst/>
@@ -3337,7 +3338,7 @@
           <a:p>
             <a:pPr algn="ctr"/>
             <a:r>
-              <a:rPr lang="en-US" sz="4400" b="1">
+              <a:rPr lang="en-US" sz="4400" b="1" dirty="0">
                 <a:solidFill>
                   <a:srgbClr val="00B0F0"/>
                 </a:solidFill>
@@ -3348,13 +3349,444 @@
           <a:p>
             <a:pPr algn="ctr"/>
             <a:r>
-              <a:rPr lang="en-US" sz="4400" b="1">
+              <a:rPr lang="en-US" sz="4400" b="1" dirty="0">
                 <a:solidFill>
                   <a:srgbClr val="00B0F0"/>
                 </a:solidFill>
               </a:rPr>
               <a:t>Electrical Equipment</a:t>
             </a:r>
+          </a:p>
+        </p:txBody>
+      </p:sp>
+      <p:sp>
+        <p:nvSpPr>
+          <p:cNvPr id="3" name="TextBox 2">
+            <a:extLst>
+              <a:ext uri="{FF2B5EF4-FFF2-40B4-BE49-F238E27FC236}">
+                <a16:creationId xmlns:a16="http://schemas.microsoft.com/office/drawing/2014/main" id="{09DC4697-3FC0-9E12-1EB8-37A74ECA3895}"/>
+              </a:ext>
+            </a:extLst>
+          </p:cNvPr>
+          <p:cNvSpPr txBox="1"/>
+          <p:nvPr/>
+        </p:nvSpPr>
+        <p:spPr>
+          <a:xfrm>
+            <a:off x="219537" y="1933312"/>
+            <a:ext cx="4189178" cy="1200329"/>
+          </a:xfrm>
+          <a:prstGeom prst="rect">
+            <a:avLst/>
+          </a:prstGeom>
+          <a:solidFill>
+            <a:schemeClr val="accent4">
+              <a:lumMod val="20000"/>
+              <a:lumOff val="80000"/>
+            </a:schemeClr>
+          </a:solidFill>
+          <a:ln>
+            <a:solidFill>
+              <a:srgbClr val="FF0000"/>
+            </a:solidFill>
+          </a:ln>
+        </p:spPr>
+        <p:txBody>
+          <a:bodyPr wrap="square">
+            <a:spAutoFit/>
+          </a:bodyPr>
+          <a:lstStyle/>
+          <a:p>
+            <a:pPr algn="l"/>
+            <a:r>
+              <a:rPr lang="en-US" sz="1200" b="0" i="0" dirty="0">
+                <a:solidFill>
+                  <a:srgbClr val="0F1111"/>
+                </a:solidFill>
+                <a:effectLst/>
+              </a:rPr>
+              <a:t>To switch to Generator:</a:t>
+            </a:r>
+          </a:p>
+          <a:p>
+            <a:pPr marL="171450" indent="-171450" algn="l">
+              <a:buFont typeface="Arial" panose="020B0604020202020204" pitchFamily="34" charset="0"/>
+              <a:buChar char="•"/>
+            </a:pPr>
+            <a:r>
+              <a:rPr lang="en-US" sz="1200" dirty="0">
+                <a:solidFill>
+                  <a:srgbClr val="0F1111"/>
+                </a:solidFill>
+              </a:rPr>
+              <a:t>turn-off both "Main In" and generator outlet breakers</a:t>
+            </a:r>
+          </a:p>
+          <a:p>
+            <a:pPr marL="171450" indent="-171450" algn="l">
+              <a:buFont typeface="Arial" panose="020B0604020202020204" pitchFamily="34" charset="0"/>
+              <a:buChar char="•"/>
+            </a:pPr>
+            <a:r>
+              <a:rPr lang="en-US" sz="1200" b="0" i="0" dirty="0">
+                <a:solidFill>
+                  <a:srgbClr val="0F1111"/>
+                </a:solidFill>
+                <a:effectLst/>
+              </a:rPr>
+              <a:t>roll generator out, exhaust facing out, start it – let it run a bit</a:t>
+            </a:r>
+          </a:p>
+          <a:p>
+            <a:pPr marL="171450" indent="-171450" algn="l">
+              <a:buFont typeface="Arial" panose="020B0604020202020204" pitchFamily="34" charset="0"/>
+              <a:buChar char="•"/>
+            </a:pPr>
+            <a:r>
+              <a:rPr lang="en-US" sz="1200" dirty="0">
+                <a:solidFill>
+                  <a:srgbClr val="0F1111"/>
+                </a:solidFill>
+              </a:rPr>
+              <a:t>turn it off, connect cable from generator to outlet</a:t>
+            </a:r>
+          </a:p>
+          <a:p>
+            <a:pPr marL="171450" indent="-171450" algn="l">
+              <a:buFont typeface="Arial" panose="020B0604020202020204" pitchFamily="34" charset="0"/>
+              <a:buChar char="•"/>
+            </a:pPr>
+            <a:r>
+              <a:rPr lang="en-US" sz="1200" dirty="0">
+                <a:solidFill>
+                  <a:srgbClr val="0F1111"/>
+                </a:solidFill>
+              </a:rPr>
+              <a:t>start generator</a:t>
+            </a:r>
+          </a:p>
+          <a:p>
+            <a:pPr marL="171450" indent="-171450" algn="l">
+              <a:buFont typeface="Arial" panose="020B0604020202020204" pitchFamily="34" charset="0"/>
+              <a:buChar char="•"/>
+            </a:pPr>
+            <a:r>
+              <a:rPr lang="en-US" sz="1200" dirty="0">
+                <a:solidFill>
+                  <a:srgbClr val="0F1111"/>
+                </a:solidFill>
+              </a:rPr>
+              <a:t>turn-on the "Generator Outlet" breaker</a:t>
+            </a:r>
+          </a:p>
+        </p:txBody>
+      </p:sp>
+      <p:sp>
+        <p:nvSpPr>
+          <p:cNvPr id="4" name="TextBox 3">
+            <a:extLst>
+              <a:ext uri="{FF2B5EF4-FFF2-40B4-BE49-F238E27FC236}">
+                <a16:creationId xmlns:a16="http://schemas.microsoft.com/office/drawing/2014/main" id="{E2FAF88D-CDD8-1121-AC49-9F28ECB891C6}"/>
+              </a:ext>
+            </a:extLst>
+          </p:cNvPr>
+          <p:cNvSpPr txBox="1"/>
+          <p:nvPr/>
+        </p:nvSpPr>
+        <p:spPr>
+          <a:xfrm>
+            <a:off x="219537" y="3370434"/>
+            <a:ext cx="4189178" cy="830997"/>
+          </a:xfrm>
+          <a:prstGeom prst="rect">
+            <a:avLst/>
+          </a:prstGeom>
+          <a:solidFill>
+            <a:schemeClr val="accent4">
+              <a:lumMod val="20000"/>
+              <a:lumOff val="80000"/>
+            </a:schemeClr>
+          </a:solidFill>
+          <a:ln>
+            <a:solidFill>
+              <a:srgbClr val="FF0000"/>
+            </a:solidFill>
+          </a:ln>
+        </p:spPr>
+        <p:txBody>
+          <a:bodyPr wrap="square">
+            <a:spAutoFit/>
+          </a:bodyPr>
+          <a:lstStyle/>
+          <a:p>
+            <a:pPr algn="l"/>
+            <a:r>
+              <a:rPr lang="en-US" sz="1200" b="0" i="0" dirty="0">
+                <a:solidFill>
+                  <a:srgbClr val="0F1111"/>
+                </a:solidFill>
+                <a:effectLst/>
+              </a:rPr>
+              <a:t>Maintenance:</a:t>
+            </a:r>
+          </a:p>
+          <a:p>
+            <a:pPr marL="171450" indent="-171450" algn="l">
+              <a:buFont typeface="Arial" panose="020B0604020202020204" pitchFamily="34" charset="0"/>
+              <a:buChar char="•"/>
+            </a:pPr>
+            <a:r>
+              <a:rPr lang="en-US" sz="1200" dirty="0">
+                <a:solidFill>
+                  <a:srgbClr val="0F1111"/>
+                </a:solidFill>
+              </a:rPr>
+              <a:t>start generator once a month – and let it run</a:t>
+            </a:r>
+          </a:p>
+          <a:p>
+            <a:pPr marL="171450" indent="-171450" algn="l">
+              <a:buFont typeface="Arial" panose="020B0604020202020204" pitchFamily="34" charset="0"/>
+              <a:buChar char="•"/>
+            </a:pPr>
+            <a:r>
+              <a:rPr lang="en-US" sz="1200" dirty="0">
+                <a:solidFill>
+                  <a:srgbClr val="0F1111"/>
+                </a:solidFill>
+              </a:rPr>
+              <a:t>have a spare battery – and charge it</a:t>
+            </a:r>
+          </a:p>
+          <a:p>
+            <a:pPr marL="171450" indent="-171450" algn="l">
+              <a:buFont typeface="Arial" panose="020B0604020202020204" pitchFamily="34" charset="0"/>
+              <a:buChar char="•"/>
+            </a:pPr>
+            <a:r>
+              <a:rPr lang="en-US" sz="1200" dirty="0">
+                <a:solidFill>
+                  <a:srgbClr val="0F1111"/>
+                </a:solidFill>
+              </a:rPr>
+              <a:t>have battery cables to start generator from external battery</a:t>
+            </a:r>
+          </a:p>
+        </p:txBody>
+      </p:sp>
+      <p:pic>
+        <p:nvPicPr>
+          <p:cNvPr id="6" name="Picture 5" descr="A black battery with white text and black rectangles&#10;&#10;AI-generated content may be incorrect.">
+            <a:extLst>
+              <a:ext uri="{FF2B5EF4-FFF2-40B4-BE49-F238E27FC236}">
+                <a16:creationId xmlns:a16="http://schemas.microsoft.com/office/drawing/2014/main" id="{70A6E297-5328-4AE8-2765-64ACE063B474}"/>
+              </a:ext>
+            </a:extLst>
+          </p:cNvPr>
+          <p:cNvPicPr>
+            <a:picLocks noChangeAspect="1"/>
+          </p:cNvPicPr>
+          <p:nvPr/>
+        </p:nvPicPr>
+        <p:blipFill>
+          <a:blip r:embed="rId2" cstate="email">
+            <a:extLst>
+              <a:ext uri="{28A0092B-C50C-407E-A947-70E740481C1C}">
+                <a14:useLocalDpi xmlns:a14="http://schemas.microsoft.com/office/drawing/2010/main"/>
+              </a:ext>
+            </a:extLst>
+          </a:blip>
+          <a:stretch>
+            <a:fillRect/>
+          </a:stretch>
+        </p:blipFill>
+        <p:spPr>
+          <a:xfrm>
+            <a:off x="382823" y="4431323"/>
+            <a:ext cx="2741723" cy="1938992"/>
+          </a:xfrm>
+          <a:prstGeom prst="rect">
+            <a:avLst/>
+          </a:prstGeom>
+          <a:ln>
+            <a:solidFill>
+              <a:srgbClr val="FF0000"/>
+            </a:solidFill>
+          </a:ln>
+        </p:spPr>
+      </p:pic>
+      <p:sp>
+        <p:nvSpPr>
+          <p:cNvPr id="7" name="TextBox 6">
+            <a:extLst>
+              <a:ext uri="{FF2B5EF4-FFF2-40B4-BE49-F238E27FC236}">
+                <a16:creationId xmlns:a16="http://schemas.microsoft.com/office/drawing/2014/main" id="{BE7F0070-539A-F29D-2AB5-E7FE99D42541}"/>
+              </a:ext>
+            </a:extLst>
+          </p:cNvPr>
+          <p:cNvSpPr txBox="1"/>
+          <p:nvPr/>
+        </p:nvSpPr>
+        <p:spPr>
+          <a:xfrm>
+            <a:off x="3261457" y="4418444"/>
+            <a:ext cx="4775332" cy="1938992"/>
+          </a:xfrm>
+          <a:prstGeom prst="rect">
+            <a:avLst/>
+          </a:prstGeom>
+          <a:solidFill>
+            <a:schemeClr val="accent4">
+              <a:lumMod val="20000"/>
+              <a:lumOff val="80000"/>
+            </a:schemeClr>
+          </a:solidFill>
+          <a:ln>
+            <a:solidFill>
+              <a:srgbClr val="FF0000"/>
+            </a:solidFill>
+          </a:ln>
+        </p:spPr>
+        <p:txBody>
+          <a:bodyPr wrap="square">
+            <a:spAutoFit/>
+          </a:bodyPr>
+          <a:lstStyle/>
+          <a:p>
+            <a:pPr algn="l">
+              <a:buNone/>
+            </a:pPr>
+            <a:r>
+              <a:rPr lang="en-US" sz="1200" b="0" i="0" dirty="0">
+                <a:effectLst/>
+                <a:latin typeface="fkGroteskNeue"/>
+              </a:rPr>
+              <a:t>GS Yuasa YTZ14S motorcycle battery 12V  230 CCA (Cold Cranking Amps) </a:t>
+            </a:r>
+          </a:p>
+          <a:p>
+            <a:pPr algn="l">
+              <a:buNone/>
+            </a:pPr>
+            <a:r>
+              <a:rPr lang="en-US" sz="1200" dirty="0">
+                <a:latin typeface="fkGroteskNeue"/>
+              </a:rPr>
+              <a:t>dimensions: </a:t>
+            </a:r>
+            <a:endParaRPr lang="en-US" sz="1200" b="0" i="0" dirty="0">
+              <a:effectLst/>
+              <a:latin typeface="fkGroteskNeue"/>
+            </a:endParaRPr>
+          </a:p>
+          <a:p>
+            <a:pPr algn="l">
+              <a:buFont typeface="Arial" panose="020B0604020202020204" pitchFamily="34" charset="0"/>
+              <a:buChar char="•"/>
+            </a:pPr>
+            <a:r>
+              <a:rPr lang="en-US" sz="1200" b="0" i="0" dirty="0">
+                <a:effectLst/>
+                <a:latin typeface="fkGroteskNeue"/>
+              </a:rPr>
+              <a:t>Length: 6 inches (150 mm)</a:t>
+            </a:r>
+          </a:p>
+          <a:p>
+            <a:pPr algn="l">
+              <a:buFont typeface="Arial" panose="020B0604020202020204" pitchFamily="34" charset="0"/>
+              <a:buChar char="•"/>
+            </a:pPr>
+            <a:r>
+              <a:rPr lang="en-US" sz="1200" b="0" i="0" dirty="0">
+                <a:effectLst/>
+                <a:latin typeface="fkGroteskNeue"/>
+              </a:rPr>
+              <a:t>Width: 3 7/16 inches (87 mm)</a:t>
+            </a:r>
+          </a:p>
+          <a:p>
+            <a:pPr algn="l">
+              <a:buFont typeface="Arial" panose="020B0604020202020204" pitchFamily="34" charset="0"/>
+              <a:buChar char="•"/>
+            </a:pPr>
+            <a:r>
+              <a:rPr lang="en-US" sz="1200" b="0" i="0" dirty="0">
+                <a:effectLst/>
+                <a:latin typeface="fkGroteskNeue"/>
+              </a:rPr>
+              <a:t>Height: 4 3/8 inches (110 mm)</a:t>
+            </a:r>
+          </a:p>
+          <a:p>
+            <a:pPr algn="l">
+              <a:buFont typeface="Arial" panose="020B0604020202020204" pitchFamily="34" charset="0"/>
+              <a:buChar char="•"/>
+            </a:pPr>
+            <a:r>
+              <a:rPr lang="en-US" sz="1200" dirty="0">
+                <a:latin typeface="fkGroteskNeue"/>
+              </a:rPr>
+              <a:t>uses </a:t>
+            </a:r>
+            <a:r>
+              <a:rPr lang="en-US" sz="1200" dirty="0"/>
+              <a:t>M8 x 1.25</a:t>
+            </a:r>
+            <a:r>
+              <a:rPr lang="en-US" sz="1200" dirty="0">
+                <a:latin typeface="fkGroteskNeue"/>
+              </a:rPr>
+              <a:t> bolts and nuts</a:t>
+            </a:r>
+            <a:endParaRPr lang="en-US" sz="1200" b="0" i="0" dirty="0">
+              <a:effectLst/>
+              <a:latin typeface="fkGroteskNeue"/>
+            </a:endParaRPr>
+          </a:p>
+          <a:p>
+            <a:pPr>
+              <a:buFont typeface="Arial" panose="020B0604020202020204" pitchFamily="34" charset="0"/>
+              <a:buChar char="•"/>
+            </a:pPr>
+            <a:r>
+              <a:rPr lang="en-US" sz="1200" dirty="0"/>
+              <a:t>Type: VRLA (Valve Regulated Lead Acid)</a:t>
+            </a:r>
+          </a:p>
+          <a:p>
+            <a:pPr>
+              <a:buFont typeface="Arial" panose="020B0604020202020204" pitchFamily="34" charset="0"/>
+              <a:buChar char="•"/>
+            </a:pPr>
+            <a:r>
+              <a:rPr lang="en-US" sz="1200" dirty="0"/>
+              <a:t>Non-spillable design</a:t>
+            </a:r>
+          </a:p>
+          <a:p>
+            <a:pPr>
+              <a:buFont typeface="Arial" panose="020B0604020202020204" pitchFamily="34" charset="0"/>
+              <a:buChar char="•"/>
+            </a:pPr>
+            <a:r>
+              <a:rPr lang="en-US" sz="1200" dirty="0"/>
+              <a:t>Capacity: 11.8 Ah (20HR) or approximately 11.2Ah (10HR)</a:t>
+            </a:r>
+          </a:p>
+          <a:p>
+            <a:pPr>
+              <a:buFont typeface="Arial" panose="020B0604020202020204" pitchFamily="34" charset="0"/>
+              <a:buChar char="•"/>
+            </a:pPr>
+            <a:r>
+              <a:rPr lang="en-US" sz="1200" dirty="0"/>
+              <a:t>Made in Japan, filled with Electrolyte, contains lead (Pb)</a:t>
+            </a:r>
+            <a:endParaRPr lang="en-US" sz="1200" b="0" i="0" dirty="0">
+              <a:effectLst/>
+              <a:latin typeface="fkGroteskNeue"/>
+            </a:endParaRPr>
           </a:p>
         </p:txBody>
       </p:sp>
@@ -3750,7 +4182,13 @@
   <p:cSld>
     <p:spTree>
       <p:nvGrpSpPr>
-        <p:cNvPr id="1" name=""/>
+        <p:cNvPr id="1" name="">
+          <a:extLst>
+            <a:ext uri="{FF2B5EF4-FFF2-40B4-BE49-F238E27FC236}">
+              <a16:creationId xmlns:a16="http://schemas.microsoft.com/office/drawing/2014/main" id="{EE575FE0-AA1C-60E5-F554-6DD93FAA180A}"/>
+            </a:ext>
+          </a:extLst>
+        </p:cNvPr>
         <p:cNvGrpSpPr/>
         <p:nvPr/>
       </p:nvGrpSpPr>
@@ -3762,144 +4200,12 @@
           <a:chExt cx="0" cy="0"/>
         </a:xfrm>
       </p:grpSpPr>
-      <p:sp>
-        <p:nvSpPr>
-          <p:cNvPr id="4" name="TextBox 3">
-            <a:extLst>
-              <a:ext uri="{FF2B5EF4-FFF2-40B4-BE49-F238E27FC236}">
-                <a16:creationId xmlns:a16="http://schemas.microsoft.com/office/drawing/2014/main" id="{66B310C2-CE44-BD76-D583-B4E3D7BDFA4A}"/>
-              </a:ext>
-            </a:extLst>
-          </p:cNvPr>
-          <p:cNvSpPr txBox="1"/>
-          <p:nvPr/>
-        </p:nvSpPr>
-        <p:spPr>
-          <a:xfrm>
-            <a:off x="0" y="0"/>
-            <a:ext cx="4330262" cy="954107"/>
-          </a:xfrm>
-          <a:prstGeom prst="rect">
-            <a:avLst/>
-          </a:prstGeom>
-          <a:noFill/>
-        </p:spPr>
-        <p:txBody>
-          <a:bodyPr wrap="square" rtlCol="0">
-            <a:spAutoFit/>
-          </a:bodyPr>
-          <a:lstStyle/>
-          <a:p>
-            <a:r>
-              <a:rPr lang="en-US" sz="2800" b="1"/>
-              <a:t>Outlet for 50A for Tesla / generator</a:t>
-            </a:r>
-          </a:p>
-        </p:txBody>
-      </p:sp>
-      <p:sp>
-        <p:nvSpPr>
-          <p:cNvPr id="5" name="TextBox 4">
-            <a:extLst>
-              <a:ext uri="{FF2B5EF4-FFF2-40B4-BE49-F238E27FC236}">
-                <a16:creationId xmlns:a16="http://schemas.microsoft.com/office/drawing/2014/main" id="{7FEEB734-25C1-5F8A-526D-3CB1B8DD47B1}"/>
-              </a:ext>
-            </a:extLst>
-          </p:cNvPr>
-          <p:cNvSpPr txBox="1"/>
-          <p:nvPr/>
-        </p:nvSpPr>
-        <p:spPr>
-          <a:xfrm>
-            <a:off x="503102" y="5654697"/>
-            <a:ext cx="4330262" cy="523220"/>
-          </a:xfrm>
-          <a:prstGeom prst="rect">
-            <a:avLst/>
-          </a:prstGeom>
-          <a:solidFill>
-            <a:schemeClr val="accent4">
-              <a:lumMod val="20000"/>
-              <a:lumOff val="80000"/>
-            </a:schemeClr>
-          </a:solidFill>
-          <a:ln>
-            <a:solidFill>
-              <a:srgbClr val="FF0000"/>
-            </a:solidFill>
-          </a:ln>
-        </p:spPr>
-        <p:txBody>
-          <a:bodyPr wrap="square" rtlCol="0">
-            <a:spAutoFit/>
-          </a:bodyPr>
-          <a:lstStyle/>
-          <a:p>
-            <a:r>
-              <a:rPr lang="en-US" sz="1400"/>
-              <a:t>NEMA 14-50R. </a:t>
-            </a:r>
-            <a:br>
-              <a:rPr lang="en-US" sz="1400"/>
-            </a:br>
-            <a:r>
-              <a:rPr lang="en-US" sz="1400"/>
-              <a:t>50A Leviton Outlet</a:t>
-            </a:r>
-          </a:p>
-        </p:txBody>
-      </p:sp>
-      <p:sp>
-        <p:nvSpPr>
-          <p:cNvPr id="2" name="AutoShape 2">
-            <a:extLst>
-              <a:ext uri="{FF2B5EF4-FFF2-40B4-BE49-F238E27FC236}">
-                <a16:creationId xmlns:a16="http://schemas.microsoft.com/office/drawing/2014/main" id="{C8E66D24-7701-2070-55FF-70F792C6FA2D}"/>
-              </a:ext>
-            </a:extLst>
-          </p:cNvPr>
-          <p:cNvSpPr>
-            <a:spLocks noChangeAspect="1" noChangeArrowheads="1"/>
-          </p:cNvSpPr>
-          <p:nvPr/>
-        </p:nvSpPr>
-        <p:spPr bwMode="auto">
-          <a:xfrm>
-            <a:off x="1049311" y="3276599"/>
-            <a:ext cx="5199089" cy="5199089"/>
-          </a:xfrm>
-          <a:prstGeom prst="rect">
-            <a:avLst/>
-          </a:prstGeom>
-          <a:noFill/>
-          <a:extLst>
-            <a:ext uri="{909E8E84-426E-40DD-AFC4-6F175D3DCCD1}">
-              <a14:hiddenFill xmlns:a14="http://schemas.microsoft.com/office/drawing/2010/main">
-                <a:solidFill>
-                  <a:srgbClr val="FFFFFF"/>
-                </a:solidFill>
-              </a14:hiddenFill>
-            </a:ext>
-          </a:extLst>
-        </p:spPr>
-        <p:txBody>
-          <a:bodyPr vert="horz" wrap="square" lIns="91440" tIns="45720" rIns="91440" bIns="45720" numCol="1" anchor="t" anchorCtr="0" compatLnSpc="1">
-            <a:prstTxWarp prst="textNoShape">
-              <a:avLst/>
-            </a:prstTxWarp>
-          </a:bodyPr>
-          <a:lstStyle/>
-          <a:p>
-            <a:endParaRPr lang="en-US"/>
-          </a:p>
-        </p:txBody>
-      </p:sp>
       <p:pic>
         <p:nvPicPr>
-          <p:cNvPr id="3" name="Picture 2">
-            <a:extLst>
-              <a:ext uri="{FF2B5EF4-FFF2-40B4-BE49-F238E27FC236}">
-                <a16:creationId xmlns:a16="http://schemas.microsoft.com/office/drawing/2014/main" id="{7E14003E-9C46-20F1-72A1-7ED1CCDD5839}"/>
+          <p:cNvPr id="2" name="Picture 1">
+            <a:extLst>
+              <a:ext uri="{FF2B5EF4-FFF2-40B4-BE49-F238E27FC236}">
+                <a16:creationId xmlns:a16="http://schemas.microsoft.com/office/drawing/2014/main" id="{EF7CD9B4-5723-22B3-8874-98790081F365}"/>
               </a:ext>
             </a:extLst>
           </p:cNvPr>
@@ -3922,8 +4228,8 @@
         </p:blipFill>
         <p:spPr>
           <a:xfrm>
-            <a:off x="7748589" y="1699424"/>
-            <a:ext cx="2204310" cy="3581088"/>
+            <a:off x="1259709" y="1539765"/>
+            <a:ext cx="2188978" cy="2811517"/>
           </a:xfrm>
           <a:prstGeom prst="rect">
             <a:avLst/>
@@ -3932,10 +4238,10 @@
       </p:pic>
       <p:sp>
         <p:nvSpPr>
-          <p:cNvPr id="6" name="TextBox 5">
-            <a:extLst>
-              <a:ext uri="{FF2B5EF4-FFF2-40B4-BE49-F238E27FC236}">
-                <a16:creationId xmlns:a16="http://schemas.microsoft.com/office/drawing/2014/main" id="{70F488CA-640A-6EA1-F53E-49DDC9BDC67B}"/>
+          <p:cNvPr id="3" name="TextBox 2">
+            <a:extLst>
+              <a:ext uri="{FF2B5EF4-FFF2-40B4-BE49-F238E27FC236}">
+                <a16:creationId xmlns:a16="http://schemas.microsoft.com/office/drawing/2014/main" id="{F4544949-AB7D-93E8-07DA-4B14BB8BA9C2}"/>
               </a:ext>
             </a:extLst>
           </p:cNvPr>
@@ -3944,8 +4250,8 @@
         </p:nvSpPr>
         <p:spPr>
           <a:xfrm>
-            <a:off x="6685613" y="0"/>
-            <a:ext cx="4330262" cy="523220"/>
+            <a:off x="408372" y="4519448"/>
+            <a:ext cx="3664584" cy="1815882"/>
           </a:xfrm>
           <a:prstGeom prst="rect">
             <a:avLst/>
@@ -3959,18 +4265,36 @@
           <a:lstStyle/>
           <a:p>
             <a:r>
-              <a:rPr lang="en-US" sz="2800" b="1"/>
-              <a:t>Outlet for 30A</a:t>
+              <a:rPr lang="en-US" sz="1400"/>
+              <a:t>Mophorn 25Ft 50Amp Generator Extension Cord 6 Gauge STW 6/3+8/1 Generator Cord UL Listed Generator Power Cord N14-50P to Bare Wire Cut Wire Cord Extension Power Cord RV Motor Home Generator Portable</a:t>
+            </a:r>
+          </a:p>
+          <a:p>
+            <a:r>
+              <a:rPr lang="en-US" sz="1400"/>
+              <a:t>Brand: Mophorn</a:t>
+            </a:r>
+          </a:p>
+          <a:p>
+            <a:r>
+              <a:rPr lang="en-US" sz="1400"/>
+              <a:t>25'</a:t>
+            </a:r>
+          </a:p>
+          <a:p>
+            <a:r>
+              <a:rPr lang="en-US" sz="1400"/>
+              <a:t>$101.00</a:t>
             </a:r>
           </a:p>
         </p:txBody>
       </p:sp>
       <p:pic>
         <p:nvPicPr>
-          <p:cNvPr id="9" name="Picture 8">
-            <a:extLst>
-              <a:ext uri="{FF2B5EF4-FFF2-40B4-BE49-F238E27FC236}">
-                <a16:creationId xmlns:a16="http://schemas.microsoft.com/office/drawing/2014/main" id="{D797B9DD-F455-4E18-CEF6-EFA837636A7A}"/>
+          <p:cNvPr id="4" name="Picture 3">
+            <a:extLst>
+              <a:ext uri="{FF2B5EF4-FFF2-40B4-BE49-F238E27FC236}">
+                <a16:creationId xmlns:a16="http://schemas.microsoft.com/office/drawing/2014/main" id="{04069915-B454-085F-68A5-CF6AD8E05D78}"/>
               </a:ext>
             </a:extLst>
           </p:cNvPr>
@@ -3993,8 +4317,8 @@
         </p:blipFill>
         <p:spPr>
           <a:xfrm>
-            <a:off x="1344118" y="1851512"/>
-            <a:ext cx="2032000" cy="3429000"/>
+            <a:off x="4308475" y="1455682"/>
+            <a:ext cx="3575050" cy="2895600"/>
           </a:xfrm>
           <a:prstGeom prst="rect">
             <a:avLst/>
@@ -4003,10 +4327,10 @@
       </p:pic>
       <p:sp>
         <p:nvSpPr>
-          <p:cNvPr id="10" name="TextBox 9">
-            <a:extLst>
-              <a:ext uri="{FF2B5EF4-FFF2-40B4-BE49-F238E27FC236}">
-                <a16:creationId xmlns:a16="http://schemas.microsoft.com/office/drawing/2014/main" id="{37FEDD7C-A413-4B99-C553-E333462DF6D9}"/>
+          <p:cNvPr id="5" name="TextBox 4">
+            <a:extLst>
+              <a:ext uri="{FF2B5EF4-FFF2-40B4-BE49-F238E27FC236}">
+                <a16:creationId xmlns:a16="http://schemas.microsoft.com/office/drawing/2014/main" id="{7EBC1ACC-A365-6AB4-4F7E-668FB591B473}"/>
               </a:ext>
             </a:extLst>
           </p:cNvPr>
@@ -4015,23 +4339,13 @@
         </p:nvSpPr>
         <p:spPr>
           <a:xfrm>
-            <a:off x="6794609" y="5614533"/>
-            <a:ext cx="4330262" cy="523220"/>
+            <a:off x="4308475" y="4519448"/>
+            <a:ext cx="2911365" cy="1815882"/>
           </a:xfrm>
           <a:prstGeom prst="rect">
             <a:avLst/>
           </a:prstGeom>
-          <a:solidFill>
-            <a:schemeClr val="accent4">
-              <a:lumMod val="20000"/>
-              <a:lumOff val="80000"/>
-            </a:schemeClr>
-          </a:solidFill>
-          <a:ln>
-            <a:solidFill>
-              <a:srgbClr val="FF0000"/>
-            </a:solidFill>
-          </a:ln>
+          <a:noFill/>
         </p:spPr>
         <p:txBody>
           <a:bodyPr wrap="square" rtlCol="0">
@@ -4041,14 +4355,191 @@
           <a:p>
             <a:r>
               <a:rPr lang="en-US" sz="1400"/>
-              <a:t>NEMA 14-30</a:t>
-            </a:r>
-            <a:br>
+              <a:t>WELLUCK RV Power Outlet Box| 50 Amp 125/250 Volt, NEMA 14-50R Receptacle | Enclosed Lockable Outdoor Electrical Panel Weatherproof Plug for Temporary Hookup RV Camper Travel Trailer Car Generator</a:t>
+            </a:r>
+          </a:p>
+          <a:p>
+            <a:r>
               <a:rPr lang="en-US" sz="1400"/>
-            </a:br>
+              <a:t>$36.00</a:t>
+            </a:r>
+          </a:p>
+        </p:txBody>
+      </p:sp>
+      <p:pic>
+        <p:nvPicPr>
+          <p:cNvPr id="6" name="Picture 5">
+            <a:extLst>
+              <a:ext uri="{FF2B5EF4-FFF2-40B4-BE49-F238E27FC236}">
+                <a16:creationId xmlns:a16="http://schemas.microsoft.com/office/drawing/2014/main" id="{D27B0166-42B7-20B0-4E9A-F3709A0870F6}"/>
+              </a:ext>
+            </a:extLst>
+          </p:cNvPr>
+          <p:cNvPicPr>
+            <a:picLocks noChangeAspect="1"/>
+          </p:cNvPicPr>
+          <p:nvPr/>
+        </p:nvPicPr>
+        <p:blipFill>
+          <a:blip r:embed="rId4" cstate="email">
+            <a:extLst>
+              <a:ext uri="{28A0092B-C50C-407E-A947-70E740481C1C}">
+                <a14:useLocalDpi xmlns:a14="http://schemas.microsoft.com/office/drawing/2010/main"/>
+              </a:ext>
+            </a:extLst>
+          </a:blip>
+          <a:stretch>
+            <a:fillRect/>
+          </a:stretch>
+        </p:blipFill>
+        <p:spPr>
+          <a:xfrm>
+            <a:off x="9249104" y="278898"/>
+            <a:ext cx="2064626" cy="1176784"/>
+          </a:xfrm>
+          <a:prstGeom prst="rect">
+            <a:avLst/>
+          </a:prstGeom>
+        </p:spPr>
+      </p:pic>
+      <p:sp>
+        <p:nvSpPr>
+          <p:cNvPr id="7" name="TextBox 6">
+            <a:extLst>
+              <a:ext uri="{FF2B5EF4-FFF2-40B4-BE49-F238E27FC236}">
+                <a16:creationId xmlns:a16="http://schemas.microsoft.com/office/drawing/2014/main" id="{F5BDA363-02D6-C591-24C6-C6433C101169}"/>
+              </a:ext>
+            </a:extLst>
+          </p:cNvPr>
+          <p:cNvSpPr txBox="1"/>
+          <p:nvPr/>
+        </p:nvSpPr>
+        <p:spPr>
+          <a:xfrm>
+            <a:off x="9028387" y="1768739"/>
+            <a:ext cx="2827282" cy="1600438"/>
+          </a:xfrm>
+          <a:prstGeom prst="rect">
+            <a:avLst/>
+          </a:prstGeom>
+          <a:noFill/>
+        </p:spPr>
+        <p:txBody>
+          <a:bodyPr wrap="square" rtlCol="0">
+            <a:spAutoFit/>
+          </a:bodyPr>
+          <a:lstStyle/>
+          <a:p>
             <a:r>
               <a:rPr lang="en-US" sz="1400"/>
-              <a:t>30A Leviton Outlet</a:t>
+              <a:t>RVGUARD 4 Prong 30 Amp </a:t>
+            </a:r>
+          </a:p>
+          <a:p>
+            <a:r>
+              <a:rPr lang="en-US" sz="1400"/>
+              <a:t>NEMA L14-30P/L14-30R, 125/250V Up to 7500W </a:t>
+            </a:r>
+          </a:p>
+          <a:p>
+            <a:r>
+              <a:rPr lang="en-US" sz="1400"/>
+              <a:t>10 Gauge SJTW Generator Cord, </a:t>
+            </a:r>
+          </a:p>
+          <a:p>
+            <a:r>
+              <a:rPr lang="en-US" sz="1400"/>
+              <a:t>ETL Listed</a:t>
+            </a:r>
+          </a:p>
+          <a:p>
+            <a:r>
+              <a:rPr lang="en-US" sz="1400"/>
+              <a:t>15 Feet </a:t>
+            </a:r>
+          </a:p>
+          <a:p>
+            <a:r>
+              <a:rPr lang="en-US" sz="1400"/>
+              <a:t>$46.00</a:t>
+            </a:r>
+          </a:p>
+        </p:txBody>
+      </p:sp>
+      <p:pic>
+        <p:nvPicPr>
+          <p:cNvPr id="8" name="Picture 7">
+            <a:extLst>
+              <a:ext uri="{FF2B5EF4-FFF2-40B4-BE49-F238E27FC236}">
+                <a16:creationId xmlns:a16="http://schemas.microsoft.com/office/drawing/2014/main" id="{96A42E9F-BEAA-3AC8-7438-4B8975749725}"/>
+              </a:ext>
+            </a:extLst>
+          </p:cNvPr>
+          <p:cNvPicPr>
+            <a:picLocks noChangeAspect="1"/>
+          </p:cNvPicPr>
+          <p:nvPr/>
+        </p:nvPicPr>
+        <p:blipFill>
+          <a:blip r:embed="rId5" cstate="email">
+            <a:extLst>
+              <a:ext uri="{28A0092B-C50C-407E-A947-70E740481C1C}">
+                <a14:useLocalDpi xmlns:a14="http://schemas.microsoft.com/office/drawing/2010/main"/>
+              </a:ext>
+            </a:extLst>
+          </a:blip>
+          <a:stretch>
+            <a:fillRect/>
+          </a:stretch>
+        </p:blipFill>
+        <p:spPr>
+          <a:xfrm>
+            <a:off x="9605890" y="3682234"/>
+            <a:ext cx="1021141" cy="1118038"/>
+          </a:xfrm>
+          <a:prstGeom prst="rect">
+            <a:avLst/>
+          </a:prstGeom>
+        </p:spPr>
+      </p:pic>
+      <p:sp>
+        <p:nvSpPr>
+          <p:cNvPr id="9" name="TextBox 8">
+            <a:extLst>
+              <a:ext uri="{FF2B5EF4-FFF2-40B4-BE49-F238E27FC236}">
+                <a16:creationId xmlns:a16="http://schemas.microsoft.com/office/drawing/2014/main" id="{662126E8-760B-90F3-E26E-E84887DAAD24}"/>
+              </a:ext>
+            </a:extLst>
+          </p:cNvPr>
+          <p:cNvSpPr txBox="1"/>
+          <p:nvPr/>
+        </p:nvSpPr>
+        <p:spPr>
+          <a:xfrm>
+            <a:off x="8923283" y="4918841"/>
+            <a:ext cx="2638096" cy="1169551"/>
+          </a:xfrm>
+          <a:prstGeom prst="rect">
+            <a:avLst/>
+          </a:prstGeom>
+          <a:noFill/>
+        </p:spPr>
+        <p:txBody>
+          <a:bodyPr wrap="square" rtlCol="0">
+            <a:spAutoFit/>
+          </a:bodyPr>
+          <a:lstStyle/>
+          <a:p>
+            <a:r>
+              <a:rPr lang="en-US" sz="1400"/>
+              <a:t>Miady NEMA 14-50P Power Plug, 50-Amp 4-Prong 125/250V Straight Blade Angles Dryer Replacement Male Plug</a:t>
+            </a:r>
+          </a:p>
+          <a:p>
+            <a:r>
+              <a:rPr lang="en-US" sz="1400"/>
+              <a:t>$12</a:t>
             </a:r>
           </a:p>
         </p:txBody>
@@ -4056,7 +4547,7 @@
     </p:spTree>
     <p:extLst>
       <p:ext uri="{BB962C8B-B14F-4D97-AF65-F5344CB8AC3E}">
-        <p14:creationId xmlns:p14="http://schemas.microsoft.com/office/powerpoint/2010/main" val="3288051204"/>
+        <p14:creationId xmlns:p14="http://schemas.microsoft.com/office/powerpoint/2010/main" val="3204504762"/>
       </p:ext>
     </p:extLst>
   </p:cSld>
@@ -4085,10 +4576,10 @@
       </p:grpSpPr>
       <p:sp>
         <p:nvSpPr>
-          <p:cNvPr id="2" name="TextBox 1">
-            <a:extLst>
-              <a:ext uri="{FF2B5EF4-FFF2-40B4-BE49-F238E27FC236}">
-                <a16:creationId xmlns:a16="http://schemas.microsoft.com/office/drawing/2014/main" id="{B0E32E4B-A729-5C47-72B8-01415F3F149C}"/>
+          <p:cNvPr id="4" name="TextBox 3">
+            <a:extLst>
+              <a:ext uri="{FF2B5EF4-FFF2-40B4-BE49-F238E27FC236}">
+                <a16:creationId xmlns:a16="http://schemas.microsoft.com/office/drawing/2014/main" id="{66B310C2-CE44-BD76-D583-B4E3D7BDFA4A}"/>
               </a:ext>
             </a:extLst>
           </p:cNvPr>
@@ -4098,7 +4589,7 @@
         <p:spPr>
           <a:xfrm>
             <a:off x="0" y="0"/>
-            <a:ext cx="2795752" cy="523220"/>
+            <a:ext cx="4330262" cy="954107"/>
           </a:xfrm>
           <a:prstGeom prst="rect">
             <a:avLst/>
@@ -4113,8 +4604,105 @@
           <a:p>
             <a:r>
               <a:rPr lang="en-US" sz="2800" b="1"/>
-              <a:t>Honda EU7000is</a:t>
-            </a:r>
+              <a:t>Outlet for 50A for Tesla / generator</a:t>
+            </a:r>
+          </a:p>
+        </p:txBody>
+      </p:sp>
+      <p:sp>
+        <p:nvSpPr>
+          <p:cNvPr id="5" name="TextBox 4">
+            <a:extLst>
+              <a:ext uri="{FF2B5EF4-FFF2-40B4-BE49-F238E27FC236}">
+                <a16:creationId xmlns:a16="http://schemas.microsoft.com/office/drawing/2014/main" id="{7FEEB734-25C1-5F8A-526D-3CB1B8DD47B1}"/>
+              </a:ext>
+            </a:extLst>
+          </p:cNvPr>
+          <p:cNvSpPr txBox="1"/>
+          <p:nvPr/>
+        </p:nvSpPr>
+        <p:spPr>
+          <a:xfrm>
+            <a:off x="503102" y="5654697"/>
+            <a:ext cx="4330262" cy="523220"/>
+          </a:xfrm>
+          <a:prstGeom prst="rect">
+            <a:avLst/>
+          </a:prstGeom>
+          <a:solidFill>
+            <a:schemeClr val="accent4">
+              <a:lumMod val="20000"/>
+              <a:lumOff val="80000"/>
+            </a:schemeClr>
+          </a:solidFill>
+          <a:ln>
+            <a:solidFill>
+              <a:srgbClr val="FF0000"/>
+            </a:solidFill>
+          </a:ln>
+        </p:spPr>
+        <p:txBody>
+          <a:bodyPr wrap="square" rtlCol="0">
+            <a:spAutoFit/>
+          </a:bodyPr>
+          <a:lstStyle/>
+          <a:p>
+            <a:r>
+              <a:rPr lang="en-US" sz="1400"/>
+              <a:t>NEMA 14-50R. </a:t>
+            </a:r>
+            <a:br>
+              <a:rPr lang="en-US" sz="1400"/>
+            </a:br>
+            <a:r>
+              <a:rPr lang="en-US" sz="1400"/>
+              <a:t>50A Leviton Outlet</a:t>
+            </a:r>
+          </a:p>
+        </p:txBody>
+      </p:sp>
+      <p:sp>
+        <p:nvSpPr>
+          <p:cNvPr id="2" name="AutoShape 2">
+            <a:extLst>
+              <a:ext uri="{FF2B5EF4-FFF2-40B4-BE49-F238E27FC236}">
+                <a16:creationId xmlns:a16="http://schemas.microsoft.com/office/drawing/2014/main" id="{C8E66D24-7701-2070-55FF-70F792C6FA2D}"/>
+              </a:ext>
+            </a:extLst>
+          </p:cNvPr>
+          <p:cNvSpPr>
+            <a:spLocks noChangeAspect="1" noChangeArrowheads="1"/>
+          </p:cNvSpPr>
+          <p:nvPr/>
+        </p:nvSpPr>
+        <p:spPr bwMode="auto">
+          <a:xfrm>
+            <a:off x="1049311" y="3276599"/>
+            <a:ext cx="5199089" cy="5199089"/>
+          </a:xfrm>
+          <a:prstGeom prst="rect">
+            <a:avLst/>
+          </a:prstGeom>
+          <a:noFill/>
+          <a:extLst>
+            <a:ext uri="{909E8E84-426E-40DD-AFC4-6F175D3DCCD1}">
+              <a14:hiddenFill xmlns:a14="http://schemas.microsoft.com/office/drawing/2010/main">
+                <a:solidFill>
+                  <a:srgbClr val="FFFFFF"/>
+                </a:solidFill>
+              </a14:hiddenFill>
+            </a:ext>
+          </a:extLst>
+        </p:spPr>
+        <p:txBody>
+          <a:bodyPr vert="horz" wrap="square" lIns="91440" tIns="45720" rIns="91440" bIns="45720" numCol="1" anchor="t" anchorCtr="0" compatLnSpc="1">
+            <a:prstTxWarp prst="textNoShape">
+              <a:avLst/>
+            </a:prstTxWarp>
+          </a:bodyPr>
+          <a:lstStyle/>
+          <a:p>
+            <a:endParaRPr lang="en-US"/>
           </a:p>
         </p:txBody>
       </p:sp>
@@ -4123,7 +4711,7 @@
           <p:cNvPr id="3" name="Picture 2">
             <a:extLst>
               <a:ext uri="{FF2B5EF4-FFF2-40B4-BE49-F238E27FC236}">
-                <a16:creationId xmlns:a16="http://schemas.microsoft.com/office/drawing/2014/main" id="{3314BA51-EDB5-4E61-9566-99E5138CFA92}"/>
+                <a16:creationId xmlns:a16="http://schemas.microsoft.com/office/drawing/2014/main" id="{7E14003E-9C46-20F1-72A1-7ED1CCDD5839}"/>
               </a:ext>
             </a:extLst>
           </p:cNvPr>
@@ -4146,8 +4734,8 @@
         </p:blipFill>
         <p:spPr>
           <a:xfrm>
-            <a:off x="566073" y="511284"/>
-            <a:ext cx="3207141" cy="2917716"/>
+            <a:off x="7748589" y="1699424"/>
+            <a:ext cx="2204310" cy="3581088"/>
           </a:xfrm>
           <a:prstGeom prst="rect">
             <a:avLst/>
@@ -4156,10 +4744,10 @@
       </p:pic>
       <p:sp>
         <p:nvSpPr>
-          <p:cNvPr id="5" name="TextBox 4">
-            <a:extLst>
-              <a:ext uri="{FF2B5EF4-FFF2-40B4-BE49-F238E27FC236}">
-                <a16:creationId xmlns:a16="http://schemas.microsoft.com/office/drawing/2014/main" id="{9E782358-62C0-8346-DA70-6D7A2D6E0636}"/>
+          <p:cNvPr id="6" name="TextBox 5">
+            <a:extLst>
+              <a:ext uri="{FF2B5EF4-FFF2-40B4-BE49-F238E27FC236}">
+                <a16:creationId xmlns:a16="http://schemas.microsoft.com/office/drawing/2014/main" id="{70F488CA-640A-6EA1-F53E-49DDC9BDC67B}"/>
               </a:ext>
             </a:extLst>
           </p:cNvPr>
@@ -4168,8 +4756,8 @@
         </p:nvSpPr>
         <p:spPr>
           <a:xfrm>
-            <a:off x="7830207" y="3817941"/>
-            <a:ext cx="2648607" cy="253916"/>
+            <a:off x="6685613" y="0"/>
+            <a:ext cx="4330262" cy="523220"/>
           </a:xfrm>
           <a:prstGeom prst="rect">
             <a:avLst/>
@@ -4177,27 +4765,24 @@
           <a:noFill/>
         </p:spPr>
         <p:txBody>
-          <a:bodyPr wrap="square">
+          <a:bodyPr wrap="square" rtlCol="0">
             <a:spAutoFit/>
           </a:bodyPr>
           <a:lstStyle/>
           <a:p>
             <a:r>
-              <a:rPr lang="en-US" sz="1050">
-                <a:hlinkClick r:id="rId3"/>
-              </a:rPr>
-              <a:t>https://www.amazon.com/dp/B08GLJRR4K</a:t>
-            </a:r>
-            <a:endParaRPr lang="en-US" sz="1050"/>
+              <a:rPr lang="en-US" sz="2800" b="1"/>
+              <a:t>Outlet for 30A</a:t>
+            </a:r>
           </a:p>
         </p:txBody>
       </p:sp>
       <p:pic>
         <p:nvPicPr>
-          <p:cNvPr id="6" name="Picture 5">
-            <a:extLst>
-              <a:ext uri="{FF2B5EF4-FFF2-40B4-BE49-F238E27FC236}">
-                <a16:creationId xmlns:a16="http://schemas.microsoft.com/office/drawing/2014/main" id="{E462A01C-7816-1F3D-DCB8-9C8F0E88DB54}"/>
+          <p:cNvPr id="9" name="Picture 8">
+            <a:extLst>
+              <a:ext uri="{FF2B5EF4-FFF2-40B4-BE49-F238E27FC236}">
+                <a16:creationId xmlns:a16="http://schemas.microsoft.com/office/drawing/2014/main" id="{D797B9DD-F455-4E18-CEF6-EFA837636A7A}"/>
               </a:ext>
             </a:extLst>
           </p:cNvPr>
@@ -4207,7 +4792,7 @@
           <p:nvPr/>
         </p:nvPicPr>
         <p:blipFill>
-          <a:blip r:embed="rId4" cstate="email">
+          <a:blip r:embed="rId3" cstate="email">
             <a:extLst>
               <a:ext uri="{28A0092B-C50C-407E-A947-70E740481C1C}">
                 <a14:useLocalDpi xmlns:a14="http://schemas.microsoft.com/office/drawing/2010/main"/>
@@ -4220,8 +4805,8 @@
         </p:blipFill>
         <p:spPr>
           <a:xfrm>
-            <a:off x="8418787" y="108607"/>
-            <a:ext cx="2289513" cy="2158343"/>
+            <a:off x="1344118" y="1851512"/>
+            <a:ext cx="2032000" cy="3429000"/>
           </a:xfrm>
           <a:prstGeom prst="rect">
             <a:avLst/>
@@ -4230,10 +4815,10 @@
       </p:pic>
       <p:sp>
         <p:nvSpPr>
-          <p:cNvPr id="7" name="TextBox 6">
-            <a:extLst>
-              <a:ext uri="{FF2B5EF4-FFF2-40B4-BE49-F238E27FC236}">
-                <a16:creationId xmlns:a16="http://schemas.microsoft.com/office/drawing/2014/main" id="{27BD339F-C95E-6936-A9D9-97B921982029}"/>
+          <p:cNvPr id="10" name="TextBox 9">
+            <a:extLst>
+              <a:ext uri="{FF2B5EF4-FFF2-40B4-BE49-F238E27FC236}">
+                <a16:creationId xmlns:a16="http://schemas.microsoft.com/office/drawing/2014/main" id="{37FEDD7C-A413-4B99-C553-E333462DF6D9}"/>
               </a:ext>
             </a:extLst>
           </p:cNvPr>
@@ -4242,13 +4827,23 @@
         </p:nvSpPr>
         <p:spPr>
           <a:xfrm>
-            <a:off x="7514896" y="2648390"/>
-            <a:ext cx="3541986" cy="1169551"/>
+            <a:off x="6794609" y="5614533"/>
+            <a:ext cx="4330262" cy="523220"/>
           </a:xfrm>
           <a:prstGeom prst="rect">
             <a:avLst/>
           </a:prstGeom>
-          <a:noFill/>
+          <a:solidFill>
+            <a:schemeClr val="accent4">
+              <a:lumMod val="20000"/>
+              <a:lumOff val="80000"/>
+            </a:schemeClr>
+          </a:solidFill>
+          <a:ln>
+            <a:solidFill>
+              <a:srgbClr val="FF0000"/>
+            </a:solidFill>
+          </a:ln>
         </p:spPr>
         <p:txBody>
           <a:bodyPr wrap="square" rtlCol="0">
@@ -4258,386 +4853,22 @@
           <a:p>
             <a:r>
               <a:rPr lang="en-US" sz="1400"/>
-              <a:t>WELLUCK 30 Amp Generator Power Inlet Box, NEMA 3R Power Inlet Box with 4 Prone, PB30, L14-30P, 125/250 Volt, 7500W Generator Inlet for Outdoor Receptacle, Generator Outlet, Weatherproof, ETL Listed</a:t>
-            </a:r>
-          </a:p>
-        </p:txBody>
-      </p:sp>
-      <p:sp>
-        <p:nvSpPr>
-          <p:cNvPr id="8" name="TextBox 7">
-            <a:extLst>
-              <a:ext uri="{FF2B5EF4-FFF2-40B4-BE49-F238E27FC236}">
-                <a16:creationId xmlns:a16="http://schemas.microsoft.com/office/drawing/2014/main" id="{ABE418A0-47E8-3486-75DD-01ED1028AD78}"/>
-              </a:ext>
-            </a:extLst>
-          </p:cNvPr>
-          <p:cNvSpPr txBox="1"/>
-          <p:nvPr/>
-        </p:nvSpPr>
-        <p:spPr>
-          <a:xfrm>
-            <a:off x="7189075" y="6400461"/>
-            <a:ext cx="2963918" cy="253916"/>
-          </a:xfrm>
-          <a:prstGeom prst="rect">
-            <a:avLst/>
-          </a:prstGeom>
-          <a:noFill/>
-        </p:spPr>
-        <p:txBody>
-          <a:bodyPr wrap="square" rtlCol="0">
-            <a:spAutoFit/>
-          </a:bodyPr>
-          <a:lstStyle/>
-          <a:p>
-            <a:r>
-              <a:rPr lang="en-US" sz="1050">
-                <a:hlinkClick r:id="rId5"/>
-              </a:rPr>
-              <a:t>https://www.amazon.com/dp/B085H9TLCK/</a:t>
-            </a:r>
-            <a:endParaRPr lang="en-US" sz="1050"/>
-          </a:p>
-        </p:txBody>
-      </p:sp>
-      <p:pic>
-        <p:nvPicPr>
-          <p:cNvPr id="10" name="Picture 9">
-            <a:extLst>
-              <a:ext uri="{FF2B5EF4-FFF2-40B4-BE49-F238E27FC236}">
-                <a16:creationId xmlns:a16="http://schemas.microsoft.com/office/drawing/2014/main" id="{B9E648C3-E577-CE50-0302-4273FBBEBFEB}"/>
-              </a:ext>
-            </a:extLst>
-          </p:cNvPr>
-          <p:cNvPicPr>
-            <a:picLocks noChangeAspect="1"/>
-          </p:cNvPicPr>
-          <p:nvPr/>
-        </p:nvPicPr>
-        <p:blipFill>
-          <a:blip r:embed="rId6" cstate="email">
-            <a:extLst>
-              <a:ext uri="{28A0092B-C50C-407E-A947-70E740481C1C}">
-                <a14:useLocalDpi xmlns:a14="http://schemas.microsoft.com/office/drawing/2010/main"/>
-              </a:ext>
-            </a:extLst>
-          </a:blip>
-          <a:stretch>
-            <a:fillRect/>
-          </a:stretch>
-        </p:blipFill>
-        <p:spPr>
-          <a:xfrm>
-            <a:off x="7289143" y="4681457"/>
-            <a:ext cx="2863850" cy="1593850"/>
-          </a:xfrm>
-          <a:prstGeom prst="rect">
-            <a:avLst/>
-          </a:prstGeom>
-        </p:spPr>
-      </p:pic>
-      <p:sp>
-        <p:nvSpPr>
-          <p:cNvPr id="11" name="TextBox 10">
-            <a:extLst>
-              <a:ext uri="{FF2B5EF4-FFF2-40B4-BE49-F238E27FC236}">
-                <a16:creationId xmlns:a16="http://schemas.microsoft.com/office/drawing/2014/main" id="{632A9EDE-9CB6-56C4-5ACD-F3B9DDDAFB3C}"/>
-              </a:ext>
-            </a:extLst>
-          </p:cNvPr>
-          <p:cNvSpPr txBox="1"/>
-          <p:nvPr/>
-        </p:nvSpPr>
-        <p:spPr>
-          <a:xfrm>
-            <a:off x="10468304" y="5053939"/>
-            <a:ext cx="1376855" cy="1600438"/>
-          </a:xfrm>
-          <a:prstGeom prst="rect">
-            <a:avLst/>
-          </a:prstGeom>
-          <a:noFill/>
-        </p:spPr>
-        <p:txBody>
-          <a:bodyPr wrap="square" rtlCol="0">
-            <a:spAutoFit/>
-          </a:bodyPr>
-          <a:lstStyle/>
-          <a:p>
-            <a:r>
-              <a:rPr lang="en-US" sz="1400">
-                <a:latin typeface="Menlo" panose="020B0609030804020204" pitchFamily="49" charset="0"/>
-                <a:ea typeface="Menlo" panose="020B0609030804020204" pitchFamily="49" charset="0"/>
-                <a:cs typeface="Menlo" panose="020B0609030804020204" pitchFamily="49" charset="0"/>
-              </a:rPr>
-              <a:t> 10'   $40</a:t>
-            </a:r>
-          </a:p>
-          <a:p>
-            <a:r>
-              <a:rPr lang="en-US" sz="1400">
-                <a:latin typeface="Menlo" panose="020B0609030804020204" pitchFamily="49" charset="0"/>
-                <a:ea typeface="Menlo" panose="020B0609030804020204" pitchFamily="49" charset="0"/>
-                <a:cs typeface="Menlo" panose="020B0609030804020204" pitchFamily="49" charset="0"/>
-              </a:rPr>
-              <a:t> 15'   $46</a:t>
-            </a:r>
-          </a:p>
-          <a:p>
-            <a:r>
-              <a:rPr lang="en-US" sz="1400">
-                <a:latin typeface="Menlo" panose="020B0609030804020204" pitchFamily="49" charset="0"/>
-                <a:ea typeface="Menlo" panose="020B0609030804020204" pitchFamily="49" charset="0"/>
-                <a:cs typeface="Menlo" panose="020B0609030804020204" pitchFamily="49" charset="0"/>
-              </a:rPr>
-              <a:t> 25'   $50</a:t>
-            </a:r>
-          </a:p>
-          <a:p>
-            <a:r>
-              <a:rPr lang="en-US" sz="1400">
-                <a:latin typeface="Menlo" panose="020B0609030804020204" pitchFamily="49" charset="0"/>
-                <a:ea typeface="Menlo" panose="020B0609030804020204" pitchFamily="49" charset="0"/>
-                <a:cs typeface="Menlo" panose="020B0609030804020204" pitchFamily="49" charset="0"/>
-              </a:rPr>
-              <a:t> 40'   $89</a:t>
-            </a:r>
-          </a:p>
-          <a:p>
-            <a:r>
-              <a:rPr lang="en-US" sz="1400">
-                <a:latin typeface="Menlo" panose="020B0609030804020204" pitchFamily="49" charset="0"/>
-                <a:ea typeface="Menlo" panose="020B0609030804020204" pitchFamily="49" charset="0"/>
-                <a:cs typeface="Menlo" panose="020B0609030804020204" pitchFamily="49" charset="0"/>
-              </a:rPr>
-              <a:t> 50'  $119</a:t>
-            </a:r>
-          </a:p>
-          <a:p>
-            <a:r>
-              <a:rPr lang="en-US" sz="1400">
-                <a:latin typeface="Menlo" panose="020B0609030804020204" pitchFamily="49" charset="0"/>
-                <a:ea typeface="Menlo" panose="020B0609030804020204" pitchFamily="49" charset="0"/>
-                <a:cs typeface="Menlo" panose="020B0609030804020204" pitchFamily="49" charset="0"/>
-              </a:rPr>
-              <a:t> 75'  $169</a:t>
-            </a:r>
-          </a:p>
-          <a:p>
-            <a:r>
-              <a:rPr lang="en-US" sz="1400">
-                <a:latin typeface="Menlo" panose="020B0609030804020204" pitchFamily="49" charset="0"/>
-                <a:ea typeface="Menlo" panose="020B0609030804020204" pitchFamily="49" charset="0"/>
-                <a:cs typeface="Menlo" panose="020B0609030804020204" pitchFamily="49" charset="0"/>
-              </a:rPr>
-              <a:t>100'  $209</a:t>
-            </a:r>
-          </a:p>
-        </p:txBody>
-      </p:sp>
-      <p:pic>
-        <p:nvPicPr>
-          <p:cNvPr id="12" name="Picture 11">
-            <a:extLst>
-              <a:ext uri="{FF2B5EF4-FFF2-40B4-BE49-F238E27FC236}">
-                <a16:creationId xmlns:a16="http://schemas.microsoft.com/office/drawing/2014/main" id="{E9DC072F-AAAF-599A-9C45-22E6F374C747}"/>
-              </a:ext>
-            </a:extLst>
-          </p:cNvPr>
-          <p:cNvPicPr>
-            <a:picLocks noChangeAspect="1"/>
-          </p:cNvPicPr>
-          <p:nvPr/>
-        </p:nvPicPr>
-        <p:blipFill>
-          <a:blip r:embed="rId4" cstate="email">
-            <a:extLst>
-              <a:ext uri="{28A0092B-C50C-407E-A947-70E740481C1C}">
-                <a14:useLocalDpi xmlns:a14="http://schemas.microsoft.com/office/drawing/2010/main"/>
-              </a:ext>
-            </a:extLst>
-          </a:blip>
-          <a:stretch>
-            <a:fillRect/>
-          </a:stretch>
-        </p:blipFill>
-        <p:spPr>
-          <a:xfrm>
-            <a:off x="8418787" y="119118"/>
-            <a:ext cx="2289513" cy="2158343"/>
-          </a:xfrm>
-          <a:prstGeom prst="rect">
-            <a:avLst/>
-          </a:prstGeom>
-        </p:spPr>
-      </p:pic>
-      <p:pic>
-        <p:nvPicPr>
-          <p:cNvPr id="13" name="Picture 12">
-            <a:extLst>
-              <a:ext uri="{FF2B5EF4-FFF2-40B4-BE49-F238E27FC236}">
-                <a16:creationId xmlns:a16="http://schemas.microsoft.com/office/drawing/2014/main" id="{D8DCA47F-FC67-A59C-94D1-11E25024507F}"/>
-              </a:ext>
-            </a:extLst>
-          </p:cNvPr>
-          <p:cNvPicPr>
-            <a:picLocks noChangeAspect="1"/>
-          </p:cNvPicPr>
-          <p:nvPr/>
-        </p:nvPicPr>
-        <p:blipFill>
-          <a:blip r:embed="rId6" cstate="email">
-            <a:extLst>
-              <a:ext uri="{28A0092B-C50C-407E-A947-70E740481C1C}">
-                <a14:useLocalDpi xmlns:a14="http://schemas.microsoft.com/office/drawing/2010/main"/>
-              </a:ext>
-            </a:extLst>
-          </a:blip>
-          <a:stretch>
-            <a:fillRect/>
-          </a:stretch>
-        </p:blipFill>
-        <p:spPr>
-          <a:xfrm>
-            <a:off x="7289143" y="4694460"/>
-            <a:ext cx="2863850" cy="1593850"/>
-          </a:xfrm>
-          <a:prstGeom prst="rect">
-            <a:avLst/>
-          </a:prstGeom>
-        </p:spPr>
-      </p:pic>
-      <p:sp>
-        <p:nvSpPr>
-          <p:cNvPr id="4" name="TextBox 3">
-            <a:extLst>
-              <a:ext uri="{FF2B5EF4-FFF2-40B4-BE49-F238E27FC236}">
-                <a16:creationId xmlns:a16="http://schemas.microsoft.com/office/drawing/2014/main" id="{BB53B008-EB3E-94AE-9FF4-935BD6E57CD6}"/>
-              </a:ext>
-            </a:extLst>
-          </p:cNvPr>
-          <p:cNvSpPr txBox="1"/>
-          <p:nvPr/>
-        </p:nvSpPr>
-        <p:spPr>
-          <a:xfrm>
-            <a:off x="399393" y="3761277"/>
-            <a:ext cx="3373821" cy="2677656"/>
-          </a:xfrm>
-          <a:prstGeom prst="rect">
-            <a:avLst/>
-          </a:prstGeom>
-          <a:noFill/>
-        </p:spPr>
-        <p:txBody>
-          <a:bodyPr wrap="square" rtlCol="0">
-            <a:spAutoFit/>
-          </a:bodyPr>
-          <a:lstStyle/>
-          <a:p>
-            <a:r>
+              <a:t>NEMA 14-30</a:t>
+            </a:r>
+            <a:br>
               <a:rPr lang="en-US" sz="1400"/>
-              <a:t>Use gasoline without Ethanol</a:t>
-            </a:r>
-          </a:p>
-          <a:p>
+            </a:br>
             <a:r>
               <a:rPr lang="en-US" sz="1400"/>
-              <a:t>the 24x7 CES gasoline station </a:t>
-            </a:r>
-          </a:p>
-          <a:p>
-            <a:r>
-              <a:rPr lang="en-US" sz="1400"/>
-              <a:t>276 E. Broadway, Monticello, NY</a:t>
-            </a:r>
-          </a:p>
-          <a:p>
-            <a:endParaRPr lang="en-US" sz="1400"/>
-          </a:p>
-          <a:p>
-            <a:r>
-              <a:rPr lang="en-US" sz="1400" b="1">
-                <a:solidFill>
-                  <a:srgbClr val="00B050"/>
-                </a:solidFill>
-              </a:rPr>
-              <a:t>CES = Combined Energy Services</a:t>
-            </a:r>
-          </a:p>
-          <a:p>
-            <a:endParaRPr lang="en-US" sz="1400"/>
-          </a:p>
-          <a:p>
-            <a:r>
-              <a:rPr lang="en-US" sz="1400"/>
-              <a:t>Also the main CES store:</a:t>
-            </a:r>
-          </a:p>
-          <a:p>
-            <a:r>
-              <a:rPr lang="en-US" sz="1400"/>
-              <a:t>216 East Broadway, Monticello, NY 12701</a:t>
-            </a:r>
-          </a:p>
-          <a:p>
-            <a:r>
-              <a:rPr lang="en-US" sz="1400"/>
-              <a:t>Phone: (845) 794-1210</a:t>
-            </a:r>
-          </a:p>
-          <a:p>
-            <a:r>
-              <a:rPr lang="en-US" sz="1400"/>
-              <a:t>Mon – Fri: 8 a.m. – 5 p.m, Closed Saturday</a:t>
-            </a:r>
-          </a:p>
-          <a:p>
-            <a:r>
-              <a:rPr lang="en-US" sz="1400">
-                <a:hlinkClick r:id="rId7"/>
-              </a:rPr>
-              <a:t>https://www.combinedenergyservices.com/engine-fuels/gasoline-ethanol-free</a:t>
-            </a:r>
-            <a:endParaRPr lang="en-US" sz="1400"/>
-          </a:p>
-        </p:txBody>
-      </p:sp>
-      <p:pic>
-        <p:nvPicPr>
-          <p:cNvPr id="15" name="Picture 14">
-            <a:extLst>
-              <a:ext uri="{FF2B5EF4-FFF2-40B4-BE49-F238E27FC236}">
-                <a16:creationId xmlns:a16="http://schemas.microsoft.com/office/drawing/2014/main" id="{ACCC76B1-3DBB-3BD0-FC22-0677ED6BF646}"/>
-              </a:ext>
-            </a:extLst>
-          </p:cNvPr>
-          <p:cNvPicPr>
-            <a:picLocks noChangeAspect="1"/>
-          </p:cNvPicPr>
-          <p:nvPr/>
-        </p:nvPicPr>
-        <p:blipFill>
-          <a:blip r:embed="rId8"/>
-          <a:stretch>
-            <a:fillRect/>
-          </a:stretch>
-        </p:blipFill>
-        <p:spPr>
-          <a:xfrm>
-            <a:off x="3969858" y="2648390"/>
-            <a:ext cx="2818291" cy="1776409"/>
-          </a:xfrm>
-          <a:prstGeom prst="rect">
-            <a:avLst/>
-          </a:prstGeom>
-        </p:spPr>
-      </p:pic>
+              <a:t>30A Leviton Outlet</a:t>
+            </a:r>
+          </a:p>
+        </p:txBody>
+      </p:sp>
     </p:spTree>
     <p:extLst>
       <p:ext uri="{BB962C8B-B14F-4D97-AF65-F5344CB8AC3E}">
-        <p14:creationId xmlns:p14="http://schemas.microsoft.com/office/powerpoint/2010/main" val="476876023"/>
+        <p14:creationId xmlns:p14="http://schemas.microsoft.com/office/powerpoint/2010/main" val="3288051204"/>
       </p:ext>
     </p:extLst>
   </p:cSld>
@@ -4669,6 +4900,593 @@
           <p:cNvPr id="2" name="TextBox 1">
             <a:extLst>
               <a:ext uri="{FF2B5EF4-FFF2-40B4-BE49-F238E27FC236}">
+                <a16:creationId xmlns:a16="http://schemas.microsoft.com/office/drawing/2014/main" id="{B0E32E4B-A729-5C47-72B8-01415F3F149C}"/>
+              </a:ext>
+            </a:extLst>
+          </p:cNvPr>
+          <p:cNvSpPr txBox="1"/>
+          <p:nvPr/>
+        </p:nvSpPr>
+        <p:spPr>
+          <a:xfrm>
+            <a:off x="0" y="0"/>
+            <a:ext cx="2795752" cy="523220"/>
+          </a:xfrm>
+          <a:prstGeom prst="rect">
+            <a:avLst/>
+          </a:prstGeom>
+          <a:noFill/>
+        </p:spPr>
+        <p:txBody>
+          <a:bodyPr wrap="square" rtlCol="0">
+            <a:spAutoFit/>
+          </a:bodyPr>
+          <a:lstStyle/>
+          <a:p>
+            <a:r>
+              <a:rPr lang="en-US" sz="2800" b="1"/>
+              <a:t>Honda EU7000is</a:t>
+            </a:r>
+          </a:p>
+        </p:txBody>
+      </p:sp>
+      <p:pic>
+        <p:nvPicPr>
+          <p:cNvPr id="3" name="Picture 2">
+            <a:extLst>
+              <a:ext uri="{FF2B5EF4-FFF2-40B4-BE49-F238E27FC236}">
+                <a16:creationId xmlns:a16="http://schemas.microsoft.com/office/drawing/2014/main" id="{3314BA51-EDB5-4E61-9566-99E5138CFA92}"/>
+              </a:ext>
+            </a:extLst>
+          </p:cNvPr>
+          <p:cNvPicPr>
+            <a:picLocks noChangeAspect="1"/>
+          </p:cNvPicPr>
+          <p:nvPr/>
+        </p:nvPicPr>
+        <p:blipFill>
+          <a:blip r:embed="rId2" cstate="email">
+            <a:extLst>
+              <a:ext uri="{28A0092B-C50C-407E-A947-70E740481C1C}">
+                <a14:useLocalDpi xmlns:a14="http://schemas.microsoft.com/office/drawing/2010/main"/>
+              </a:ext>
+            </a:extLst>
+          </a:blip>
+          <a:stretch>
+            <a:fillRect/>
+          </a:stretch>
+        </p:blipFill>
+        <p:spPr>
+          <a:xfrm>
+            <a:off x="566073" y="511284"/>
+            <a:ext cx="3207141" cy="2917716"/>
+          </a:xfrm>
+          <a:prstGeom prst="rect">
+            <a:avLst/>
+          </a:prstGeom>
+        </p:spPr>
+      </p:pic>
+      <p:sp>
+        <p:nvSpPr>
+          <p:cNvPr id="5" name="TextBox 4">
+            <a:extLst>
+              <a:ext uri="{FF2B5EF4-FFF2-40B4-BE49-F238E27FC236}">
+                <a16:creationId xmlns:a16="http://schemas.microsoft.com/office/drawing/2014/main" id="{9E782358-62C0-8346-DA70-6D7A2D6E0636}"/>
+              </a:ext>
+            </a:extLst>
+          </p:cNvPr>
+          <p:cNvSpPr txBox="1"/>
+          <p:nvPr/>
+        </p:nvSpPr>
+        <p:spPr>
+          <a:xfrm>
+            <a:off x="7830207" y="3817941"/>
+            <a:ext cx="2648607" cy="253916"/>
+          </a:xfrm>
+          <a:prstGeom prst="rect">
+            <a:avLst/>
+          </a:prstGeom>
+          <a:noFill/>
+        </p:spPr>
+        <p:txBody>
+          <a:bodyPr wrap="square">
+            <a:spAutoFit/>
+          </a:bodyPr>
+          <a:lstStyle/>
+          <a:p>
+            <a:r>
+              <a:rPr lang="en-US" sz="1050">
+                <a:hlinkClick r:id="rId3"/>
+              </a:rPr>
+              <a:t>https://www.amazon.com/dp/B08GLJRR4K</a:t>
+            </a:r>
+            <a:endParaRPr lang="en-US" sz="1050"/>
+          </a:p>
+        </p:txBody>
+      </p:sp>
+      <p:pic>
+        <p:nvPicPr>
+          <p:cNvPr id="6" name="Picture 5">
+            <a:extLst>
+              <a:ext uri="{FF2B5EF4-FFF2-40B4-BE49-F238E27FC236}">
+                <a16:creationId xmlns:a16="http://schemas.microsoft.com/office/drawing/2014/main" id="{E462A01C-7816-1F3D-DCB8-9C8F0E88DB54}"/>
+              </a:ext>
+            </a:extLst>
+          </p:cNvPr>
+          <p:cNvPicPr>
+            <a:picLocks noChangeAspect="1"/>
+          </p:cNvPicPr>
+          <p:nvPr/>
+        </p:nvPicPr>
+        <p:blipFill>
+          <a:blip r:embed="rId4" cstate="email">
+            <a:extLst>
+              <a:ext uri="{28A0092B-C50C-407E-A947-70E740481C1C}">
+                <a14:useLocalDpi xmlns:a14="http://schemas.microsoft.com/office/drawing/2010/main"/>
+              </a:ext>
+            </a:extLst>
+          </a:blip>
+          <a:stretch>
+            <a:fillRect/>
+          </a:stretch>
+        </p:blipFill>
+        <p:spPr>
+          <a:xfrm>
+            <a:off x="8418787" y="108607"/>
+            <a:ext cx="2289513" cy="2158343"/>
+          </a:xfrm>
+          <a:prstGeom prst="rect">
+            <a:avLst/>
+          </a:prstGeom>
+        </p:spPr>
+      </p:pic>
+      <p:sp>
+        <p:nvSpPr>
+          <p:cNvPr id="7" name="TextBox 6">
+            <a:extLst>
+              <a:ext uri="{FF2B5EF4-FFF2-40B4-BE49-F238E27FC236}">
+                <a16:creationId xmlns:a16="http://schemas.microsoft.com/office/drawing/2014/main" id="{27BD339F-C95E-6936-A9D9-97B921982029}"/>
+              </a:ext>
+            </a:extLst>
+          </p:cNvPr>
+          <p:cNvSpPr txBox="1"/>
+          <p:nvPr/>
+        </p:nvSpPr>
+        <p:spPr>
+          <a:xfrm>
+            <a:off x="7514896" y="2648390"/>
+            <a:ext cx="3541986" cy="1169551"/>
+          </a:xfrm>
+          <a:prstGeom prst="rect">
+            <a:avLst/>
+          </a:prstGeom>
+          <a:noFill/>
+        </p:spPr>
+        <p:txBody>
+          <a:bodyPr wrap="square" rtlCol="0">
+            <a:spAutoFit/>
+          </a:bodyPr>
+          <a:lstStyle/>
+          <a:p>
+            <a:r>
+              <a:rPr lang="en-US" sz="1400"/>
+              <a:t>WELLUCK 30 Amp Generator Power Inlet Box, NEMA 3R Power Inlet Box with 4 Prone, PB30, L14-30P, 125/250 Volt, 7500W Generator Inlet for Outdoor Receptacle, Generator Outlet, Weatherproof, ETL Listed</a:t>
+            </a:r>
+          </a:p>
+        </p:txBody>
+      </p:sp>
+      <p:sp>
+        <p:nvSpPr>
+          <p:cNvPr id="8" name="TextBox 7">
+            <a:extLst>
+              <a:ext uri="{FF2B5EF4-FFF2-40B4-BE49-F238E27FC236}">
+                <a16:creationId xmlns:a16="http://schemas.microsoft.com/office/drawing/2014/main" id="{ABE418A0-47E8-3486-75DD-01ED1028AD78}"/>
+              </a:ext>
+            </a:extLst>
+          </p:cNvPr>
+          <p:cNvSpPr txBox="1"/>
+          <p:nvPr/>
+        </p:nvSpPr>
+        <p:spPr>
+          <a:xfrm>
+            <a:off x="7189075" y="6400461"/>
+            <a:ext cx="2963918" cy="253916"/>
+          </a:xfrm>
+          <a:prstGeom prst="rect">
+            <a:avLst/>
+          </a:prstGeom>
+          <a:noFill/>
+        </p:spPr>
+        <p:txBody>
+          <a:bodyPr wrap="square" rtlCol="0">
+            <a:spAutoFit/>
+          </a:bodyPr>
+          <a:lstStyle/>
+          <a:p>
+            <a:r>
+              <a:rPr lang="en-US" sz="1050">
+                <a:hlinkClick r:id="rId5"/>
+              </a:rPr>
+              <a:t>https://www.amazon.com/dp/B085H9TLCK/</a:t>
+            </a:r>
+            <a:endParaRPr lang="en-US" sz="1050"/>
+          </a:p>
+        </p:txBody>
+      </p:sp>
+      <p:pic>
+        <p:nvPicPr>
+          <p:cNvPr id="10" name="Picture 9">
+            <a:extLst>
+              <a:ext uri="{FF2B5EF4-FFF2-40B4-BE49-F238E27FC236}">
+                <a16:creationId xmlns:a16="http://schemas.microsoft.com/office/drawing/2014/main" id="{B9E648C3-E577-CE50-0302-4273FBBEBFEB}"/>
+              </a:ext>
+            </a:extLst>
+          </p:cNvPr>
+          <p:cNvPicPr>
+            <a:picLocks noChangeAspect="1"/>
+          </p:cNvPicPr>
+          <p:nvPr/>
+        </p:nvPicPr>
+        <p:blipFill>
+          <a:blip r:embed="rId6" cstate="email">
+            <a:extLst>
+              <a:ext uri="{28A0092B-C50C-407E-A947-70E740481C1C}">
+                <a14:useLocalDpi xmlns:a14="http://schemas.microsoft.com/office/drawing/2010/main"/>
+              </a:ext>
+            </a:extLst>
+          </a:blip>
+          <a:stretch>
+            <a:fillRect/>
+          </a:stretch>
+        </p:blipFill>
+        <p:spPr>
+          <a:xfrm>
+            <a:off x="7289143" y="4681457"/>
+            <a:ext cx="2863850" cy="1593850"/>
+          </a:xfrm>
+          <a:prstGeom prst="rect">
+            <a:avLst/>
+          </a:prstGeom>
+        </p:spPr>
+      </p:pic>
+      <p:sp>
+        <p:nvSpPr>
+          <p:cNvPr id="11" name="TextBox 10">
+            <a:extLst>
+              <a:ext uri="{FF2B5EF4-FFF2-40B4-BE49-F238E27FC236}">
+                <a16:creationId xmlns:a16="http://schemas.microsoft.com/office/drawing/2014/main" id="{632A9EDE-9CB6-56C4-5ACD-F3B9DDDAFB3C}"/>
+              </a:ext>
+            </a:extLst>
+          </p:cNvPr>
+          <p:cNvSpPr txBox="1"/>
+          <p:nvPr/>
+        </p:nvSpPr>
+        <p:spPr>
+          <a:xfrm>
+            <a:off x="10468304" y="5053939"/>
+            <a:ext cx="1376855" cy="1600438"/>
+          </a:xfrm>
+          <a:prstGeom prst="rect">
+            <a:avLst/>
+          </a:prstGeom>
+          <a:noFill/>
+        </p:spPr>
+        <p:txBody>
+          <a:bodyPr wrap="square" rtlCol="0">
+            <a:spAutoFit/>
+          </a:bodyPr>
+          <a:lstStyle/>
+          <a:p>
+            <a:r>
+              <a:rPr lang="en-US" sz="1400">
+                <a:latin typeface="Menlo" panose="020B0609030804020204" pitchFamily="49" charset="0"/>
+                <a:ea typeface="Menlo" panose="020B0609030804020204" pitchFamily="49" charset="0"/>
+                <a:cs typeface="Menlo" panose="020B0609030804020204" pitchFamily="49" charset="0"/>
+              </a:rPr>
+              <a:t> 10'   $40</a:t>
+            </a:r>
+          </a:p>
+          <a:p>
+            <a:r>
+              <a:rPr lang="en-US" sz="1400">
+                <a:latin typeface="Menlo" panose="020B0609030804020204" pitchFamily="49" charset="0"/>
+                <a:ea typeface="Menlo" panose="020B0609030804020204" pitchFamily="49" charset="0"/>
+                <a:cs typeface="Menlo" panose="020B0609030804020204" pitchFamily="49" charset="0"/>
+              </a:rPr>
+              <a:t> 15'   $46</a:t>
+            </a:r>
+          </a:p>
+          <a:p>
+            <a:r>
+              <a:rPr lang="en-US" sz="1400">
+                <a:latin typeface="Menlo" panose="020B0609030804020204" pitchFamily="49" charset="0"/>
+                <a:ea typeface="Menlo" panose="020B0609030804020204" pitchFamily="49" charset="0"/>
+                <a:cs typeface="Menlo" panose="020B0609030804020204" pitchFamily="49" charset="0"/>
+              </a:rPr>
+              <a:t> 25'   $50</a:t>
+            </a:r>
+          </a:p>
+          <a:p>
+            <a:r>
+              <a:rPr lang="en-US" sz="1400">
+                <a:latin typeface="Menlo" panose="020B0609030804020204" pitchFamily="49" charset="0"/>
+                <a:ea typeface="Menlo" panose="020B0609030804020204" pitchFamily="49" charset="0"/>
+                <a:cs typeface="Menlo" panose="020B0609030804020204" pitchFamily="49" charset="0"/>
+              </a:rPr>
+              <a:t> 40'   $89</a:t>
+            </a:r>
+          </a:p>
+          <a:p>
+            <a:r>
+              <a:rPr lang="en-US" sz="1400">
+                <a:latin typeface="Menlo" panose="020B0609030804020204" pitchFamily="49" charset="0"/>
+                <a:ea typeface="Menlo" panose="020B0609030804020204" pitchFamily="49" charset="0"/>
+                <a:cs typeface="Menlo" panose="020B0609030804020204" pitchFamily="49" charset="0"/>
+              </a:rPr>
+              <a:t> 50'  $119</a:t>
+            </a:r>
+          </a:p>
+          <a:p>
+            <a:r>
+              <a:rPr lang="en-US" sz="1400">
+                <a:latin typeface="Menlo" panose="020B0609030804020204" pitchFamily="49" charset="0"/>
+                <a:ea typeface="Menlo" panose="020B0609030804020204" pitchFamily="49" charset="0"/>
+                <a:cs typeface="Menlo" panose="020B0609030804020204" pitchFamily="49" charset="0"/>
+              </a:rPr>
+              <a:t> 75'  $169</a:t>
+            </a:r>
+          </a:p>
+          <a:p>
+            <a:r>
+              <a:rPr lang="en-US" sz="1400">
+                <a:latin typeface="Menlo" panose="020B0609030804020204" pitchFamily="49" charset="0"/>
+                <a:ea typeface="Menlo" panose="020B0609030804020204" pitchFamily="49" charset="0"/>
+                <a:cs typeface="Menlo" panose="020B0609030804020204" pitchFamily="49" charset="0"/>
+              </a:rPr>
+              <a:t>100'  $209</a:t>
+            </a:r>
+          </a:p>
+        </p:txBody>
+      </p:sp>
+      <p:pic>
+        <p:nvPicPr>
+          <p:cNvPr id="12" name="Picture 11">
+            <a:extLst>
+              <a:ext uri="{FF2B5EF4-FFF2-40B4-BE49-F238E27FC236}">
+                <a16:creationId xmlns:a16="http://schemas.microsoft.com/office/drawing/2014/main" id="{E9DC072F-AAAF-599A-9C45-22E6F374C747}"/>
+              </a:ext>
+            </a:extLst>
+          </p:cNvPr>
+          <p:cNvPicPr>
+            <a:picLocks noChangeAspect="1"/>
+          </p:cNvPicPr>
+          <p:nvPr/>
+        </p:nvPicPr>
+        <p:blipFill>
+          <a:blip r:embed="rId4" cstate="email">
+            <a:extLst>
+              <a:ext uri="{28A0092B-C50C-407E-A947-70E740481C1C}">
+                <a14:useLocalDpi xmlns:a14="http://schemas.microsoft.com/office/drawing/2010/main"/>
+              </a:ext>
+            </a:extLst>
+          </a:blip>
+          <a:stretch>
+            <a:fillRect/>
+          </a:stretch>
+        </p:blipFill>
+        <p:spPr>
+          <a:xfrm>
+            <a:off x="8418787" y="119118"/>
+            <a:ext cx="2289513" cy="2158343"/>
+          </a:xfrm>
+          <a:prstGeom prst="rect">
+            <a:avLst/>
+          </a:prstGeom>
+        </p:spPr>
+      </p:pic>
+      <p:pic>
+        <p:nvPicPr>
+          <p:cNvPr id="13" name="Picture 12">
+            <a:extLst>
+              <a:ext uri="{FF2B5EF4-FFF2-40B4-BE49-F238E27FC236}">
+                <a16:creationId xmlns:a16="http://schemas.microsoft.com/office/drawing/2014/main" id="{D8DCA47F-FC67-A59C-94D1-11E25024507F}"/>
+              </a:ext>
+            </a:extLst>
+          </p:cNvPr>
+          <p:cNvPicPr>
+            <a:picLocks noChangeAspect="1"/>
+          </p:cNvPicPr>
+          <p:nvPr/>
+        </p:nvPicPr>
+        <p:blipFill>
+          <a:blip r:embed="rId6" cstate="email">
+            <a:extLst>
+              <a:ext uri="{28A0092B-C50C-407E-A947-70E740481C1C}">
+                <a14:useLocalDpi xmlns:a14="http://schemas.microsoft.com/office/drawing/2010/main"/>
+              </a:ext>
+            </a:extLst>
+          </a:blip>
+          <a:stretch>
+            <a:fillRect/>
+          </a:stretch>
+        </p:blipFill>
+        <p:spPr>
+          <a:xfrm>
+            <a:off x="7289143" y="4694460"/>
+            <a:ext cx="2863850" cy="1593850"/>
+          </a:xfrm>
+          <a:prstGeom prst="rect">
+            <a:avLst/>
+          </a:prstGeom>
+        </p:spPr>
+      </p:pic>
+      <p:sp>
+        <p:nvSpPr>
+          <p:cNvPr id="4" name="TextBox 3">
+            <a:extLst>
+              <a:ext uri="{FF2B5EF4-FFF2-40B4-BE49-F238E27FC236}">
+                <a16:creationId xmlns:a16="http://schemas.microsoft.com/office/drawing/2014/main" id="{BB53B008-EB3E-94AE-9FF4-935BD6E57CD6}"/>
+              </a:ext>
+            </a:extLst>
+          </p:cNvPr>
+          <p:cNvSpPr txBox="1"/>
+          <p:nvPr/>
+        </p:nvSpPr>
+        <p:spPr>
+          <a:xfrm>
+            <a:off x="399393" y="3761277"/>
+            <a:ext cx="3373821" cy="2677656"/>
+          </a:xfrm>
+          <a:prstGeom prst="rect">
+            <a:avLst/>
+          </a:prstGeom>
+          <a:noFill/>
+        </p:spPr>
+        <p:txBody>
+          <a:bodyPr wrap="square" rtlCol="0">
+            <a:spAutoFit/>
+          </a:bodyPr>
+          <a:lstStyle/>
+          <a:p>
+            <a:r>
+              <a:rPr lang="en-US" sz="1400"/>
+              <a:t>Use gasoline without Ethanol</a:t>
+            </a:r>
+          </a:p>
+          <a:p>
+            <a:r>
+              <a:rPr lang="en-US" sz="1400"/>
+              <a:t>the 24x7 CES gasoline station </a:t>
+            </a:r>
+          </a:p>
+          <a:p>
+            <a:r>
+              <a:rPr lang="en-US" sz="1400"/>
+              <a:t>276 E. Broadway, Monticello, NY</a:t>
+            </a:r>
+          </a:p>
+          <a:p>
+            <a:endParaRPr lang="en-US" sz="1400"/>
+          </a:p>
+          <a:p>
+            <a:r>
+              <a:rPr lang="en-US" sz="1400" b="1">
+                <a:solidFill>
+                  <a:srgbClr val="00B050"/>
+                </a:solidFill>
+              </a:rPr>
+              <a:t>CES = Combined Energy Services</a:t>
+            </a:r>
+          </a:p>
+          <a:p>
+            <a:endParaRPr lang="en-US" sz="1400"/>
+          </a:p>
+          <a:p>
+            <a:r>
+              <a:rPr lang="en-US" sz="1400"/>
+              <a:t>Also the main CES store:</a:t>
+            </a:r>
+          </a:p>
+          <a:p>
+            <a:r>
+              <a:rPr lang="en-US" sz="1400"/>
+              <a:t>216 East Broadway, Monticello, NY 12701</a:t>
+            </a:r>
+          </a:p>
+          <a:p>
+            <a:r>
+              <a:rPr lang="en-US" sz="1400"/>
+              <a:t>Phone: (845) 794-1210</a:t>
+            </a:r>
+          </a:p>
+          <a:p>
+            <a:r>
+              <a:rPr lang="en-US" sz="1400"/>
+              <a:t>Mon – Fri: 8 a.m. – 5 p.m, Closed Saturday</a:t>
+            </a:r>
+          </a:p>
+          <a:p>
+            <a:r>
+              <a:rPr lang="en-US" sz="1400">
+                <a:hlinkClick r:id="rId7"/>
+              </a:rPr>
+              <a:t>https://www.combinedenergyservices.com/engine-fuels/gasoline-ethanol-free</a:t>
+            </a:r>
+            <a:endParaRPr lang="en-US" sz="1400"/>
+          </a:p>
+        </p:txBody>
+      </p:sp>
+      <p:pic>
+        <p:nvPicPr>
+          <p:cNvPr id="15" name="Picture 14">
+            <a:extLst>
+              <a:ext uri="{FF2B5EF4-FFF2-40B4-BE49-F238E27FC236}">
+                <a16:creationId xmlns:a16="http://schemas.microsoft.com/office/drawing/2014/main" id="{ACCC76B1-3DBB-3BD0-FC22-0677ED6BF646}"/>
+              </a:ext>
+            </a:extLst>
+          </p:cNvPr>
+          <p:cNvPicPr>
+            <a:picLocks noChangeAspect="1"/>
+          </p:cNvPicPr>
+          <p:nvPr/>
+        </p:nvPicPr>
+        <p:blipFill>
+          <a:blip r:embed="rId8" cstate="email">
+            <a:extLst>
+              <a:ext uri="{28A0092B-C50C-407E-A947-70E740481C1C}">
+                <a14:useLocalDpi xmlns:a14="http://schemas.microsoft.com/office/drawing/2010/main"/>
+              </a:ext>
+            </a:extLst>
+          </a:blip>
+          <a:stretch>
+            <a:fillRect/>
+          </a:stretch>
+        </p:blipFill>
+        <p:spPr>
+          <a:xfrm>
+            <a:off x="3969858" y="2648390"/>
+            <a:ext cx="2818291" cy="1776409"/>
+          </a:xfrm>
+          <a:prstGeom prst="rect">
+            <a:avLst/>
+          </a:prstGeom>
+        </p:spPr>
+      </p:pic>
+    </p:spTree>
+    <p:extLst>
+      <p:ext uri="{BB962C8B-B14F-4D97-AF65-F5344CB8AC3E}">
+        <p14:creationId xmlns:p14="http://schemas.microsoft.com/office/powerpoint/2010/main" val="476876023"/>
+      </p:ext>
+    </p:extLst>
+  </p:cSld>
+  <p:clrMapOvr>
+    <a:masterClrMapping/>
+  </p:clrMapOvr>
+</p:sld>
+</file>
+
+<file path=ppt/slides/slide6.xml><?xml version="1.0" encoding="utf-8"?>
+<p:sld xmlns:a="http://schemas.openxmlformats.org/drawingml/2006/main" xmlns:r="http://schemas.openxmlformats.org/officeDocument/2006/relationships" xmlns:p="http://schemas.openxmlformats.org/presentationml/2006/main">
+  <p:cSld>
+    <p:spTree>
+      <p:nvGrpSpPr>
+        <p:cNvPr id="1" name=""/>
+        <p:cNvGrpSpPr/>
+        <p:nvPr/>
+      </p:nvGrpSpPr>
+      <p:grpSpPr>
+        <a:xfrm>
+          <a:off x="0" y="0"/>
+          <a:ext cx="0" cy="0"/>
+          <a:chOff x="0" y="0"/>
+          <a:chExt cx="0" cy="0"/>
+        </a:xfrm>
+      </p:grpSpPr>
+      <p:sp>
+        <p:nvSpPr>
+          <p:cNvPr id="2" name="TextBox 1">
+            <a:extLst>
+              <a:ext uri="{FF2B5EF4-FFF2-40B4-BE49-F238E27FC236}">
                 <a16:creationId xmlns:a16="http://schemas.microsoft.com/office/drawing/2014/main" id="{EE36FE47-BB4C-FCF2-33ED-2A30345CD962}"/>
               </a:ext>
             </a:extLst>
@@ -4977,7 +5795,7 @@
 </p:sld>
 </file>
 
-<file path=ppt/slides/slide6.xml><?xml version="1.0" encoding="utf-8"?>
+<file path=ppt/slides/slide7.xml><?xml version="1.0" encoding="utf-8"?>
 <p:sld xmlns:a="http://schemas.openxmlformats.org/drawingml/2006/main" xmlns:r="http://schemas.openxmlformats.org/officeDocument/2006/relationships" xmlns:p="http://schemas.openxmlformats.org/presentationml/2006/main">
   <p:cSld>
     <p:spTree>

--- a/generator.pptx
+++ b/generator.pptx
@@ -6,12 +6,11 @@
   </p:sldMasterIdLst>
   <p:sldIdLst>
     <p:sldId id="261" r:id="rId2"/>
-    <p:sldId id="259" r:id="rId3"/>
-    <p:sldId id="262" r:id="rId4"/>
-    <p:sldId id="256" r:id="rId5"/>
-    <p:sldId id="257" r:id="rId6"/>
-    <p:sldId id="260" r:id="rId7"/>
-    <p:sldId id="258" r:id="rId8"/>
+    <p:sldId id="262" r:id="rId3"/>
+    <p:sldId id="256" r:id="rId4"/>
+    <p:sldId id="257" r:id="rId5"/>
+    <p:sldId id="260" r:id="rId6"/>
+    <p:sldId id="258" r:id="rId7"/>
   </p:sldIdLst>
   <p:sldSz cx="12192000" cy="6858000"/>
   <p:notesSz cx="6858000" cy="9144000"/>
@@ -264,7 +263,7 @@
           <a:lstStyle/>
           <a:p>
             <a:fld id="{5F491023-0B0A-7041-9F06-D25A50EF063B}" type="datetimeFigureOut">
-              <a:t>4/22/25</a:t>
+              <a:t>10/6/25</a:t>
             </a:fld>
             <a:endParaRPr lang="en-US"/>
           </a:p>
@@ -460,7 +459,7 @@
           <a:lstStyle/>
           <a:p>
             <a:fld id="{5F491023-0B0A-7041-9F06-D25A50EF063B}" type="datetimeFigureOut">
-              <a:t>4/22/25</a:t>
+              <a:t>10/6/25</a:t>
             </a:fld>
             <a:endParaRPr lang="en-US"/>
           </a:p>
@@ -666,7 +665,7 @@
           <a:lstStyle/>
           <a:p>
             <a:fld id="{5F491023-0B0A-7041-9F06-D25A50EF063B}" type="datetimeFigureOut">
-              <a:t>4/22/25</a:t>
+              <a:t>10/6/25</a:t>
             </a:fld>
             <a:endParaRPr lang="en-US"/>
           </a:p>
@@ -862,7 +861,7 @@
           <a:lstStyle/>
           <a:p>
             <a:fld id="{5F491023-0B0A-7041-9F06-D25A50EF063B}" type="datetimeFigureOut">
-              <a:t>4/22/25</a:t>
+              <a:t>10/6/25</a:t>
             </a:fld>
             <a:endParaRPr lang="en-US"/>
           </a:p>
@@ -1135,7 +1134,7 @@
           <a:lstStyle/>
           <a:p>
             <a:fld id="{5F491023-0B0A-7041-9F06-D25A50EF063B}" type="datetimeFigureOut">
-              <a:t>4/22/25</a:t>
+              <a:t>10/6/25</a:t>
             </a:fld>
             <a:endParaRPr lang="en-US"/>
           </a:p>
@@ -1398,7 +1397,7 @@
           <a:lstStyle/>
           <a:p>
             <a:fld id="{5F491023-0B0A-7041-9F06-D25A50EF063B}" type="datetimeFigureOut">
-              <a:t>4/22/25</a:t>
+              <a:t>10/6/25</a:t>
             </a:fld>
             <a:endParaRPr lang="en-US"/>
           </a:p>
@@ -1808,7 +1807,7 @@
           <a:lstStyle/>
           <a:p>
             <a:fld id="{5F491023-0B0A-7041-9F06-D25A50EF063B}" type="datetimeFigureOut">
-              <a:t>4/22/25</a:t>
+              <a:t>10/6/25</a:t>
             </a:fld>
             <a:endParaRPr lang="en-US"/>
           </a:p>
@@ -1947,7 +1946,7 @@
           <a:lstStyle/>
           <a:p>
             <a:fld id="{5F491023-0B0A-7041-9F06-D25A50EF063B}" type="datetimeFigureOut">
-              <a:t>4/22/25</a:t>
+              <a:t>10/6/25</a:t>
             </a:fld>
             <a:endParaRPr lang="en-US"/>
           </a:p>
@@ -2058,7 +2057,7 @@
           <a:lstStyle/>
           <a:p>
             <a:fld id="{5F491023-0B0A-7041-9F06-D25A50EF063B}" type="datetimeFigureOut">
-              <a:t>4/22/25</a:t>
+              <a:t>10/6/25</a:t>
             </a:fld>
             <a:endParaRPr lang="en-US"/>
           </a:p>
@@ -2367,7 +2366,7 @@
           <a:lstStyle/>
           <a:p>
             <a:fld id="{5F491023-0B0A-7041-9F06-D25A50EF063B}" type="datetimeFigureOut">
-              <a:t>4/22/25</a:t>
+              <a:t>10/6/25</a:t>
             </a:fld>
             <a:endParaRPr lang="en-US"/>
           </a:p>
@@ -2653,7 +2652,7 @@
           <a:lstStyle/>
           <a:p>
             <a:fld id="{5F491023-0B0A-7041-9F06-D25A50EF063B}" type="datetimeFigureOut">
-              <a:t>4/22/25</a:t>
+              <a:t>10/6/25</a:t>
             </a:fld>
             <a:endParaRPr lang="en-US"/>
           </a:p>
@@ -2892,7 +2891,7 @@
           </a:lstStyle>
           <a:p>
             <a:fld id="{5F491023-0B0A-7041-9F06-D25A50EF063B}" type="datetimeFigureOut">
-              <a:t>4/22/25</a:t>
+              <a:t>10/6/25</a:t>
             </a:fld>
             <a:endParaRPr lang="en-US"/>
           </a:p>
@@ -3808,380 +3807,6 @@
   <p:cSld>
     <p:spTree>
       <p:nvGrpSpPr>
-        <p:cNvPr id="1" name=""/>
-        <p:cNvGrpSpPr/>
-        <p:nvPr/>
-      </p:nvGrpSpPr>
-      <p:grpSpPr>
-        <a:xfrm>
-          <a:off x="0" y="0"/>
-          <a:ext cx="0" cy="0"/>
-          <a:chOff x="0" y="0"/>
-          <a:chExt cx="0" cy="0"/>
-        </a:xfrm>
-      </p:grpSpPr>
-      <p:pic>
-        <p:nvPicPr>
-          <p:cNvPr id="2" name="Picture 1">
-            <a:extLst>
-              <a:ext uri="{FF2B5EF4-FFF2-40B4-BE49-F238E27FC236}">
-                <a16:creationId xmlns:a16="http://schemas.microsoft.com/office/drawing/2014/main" id="{8F2E2F8B-B7D9-1B4F-1B07-A9F19321561E}"/>
-              </a:ext>
-            </a:extLst>
-          </p:cNvPr>
-          <p:cNvPicPr>
-            <a:picLocks noChangeAspect="1"/>
-          </p:cNvPicPr>
-          <p:nvPr/>
-        </p:nvPicPr>
-        <p:blipFill>
-          <a:blip r:embed="rId2" cstate="email">
-            <a:extLst>
-              <a:ext uri="{28A0092B-C50C-407E-A947-70E740481C1C}">
-                <a14:useLocalDpi xmlns:a14="http://schemas.microsoft.com/office/drawing/2010/main"/>
-              </a:ext>
-            </a:extLst>
-          </a:blip>
-          <a:stretch>
-            <a:fillRect/>
-          </a:stretch>
-        </p:blipFill>
-        <p:spPr>
-          <a:xfrm>
-            <a:off x="1259709" y="1539765"/>
-            <a:ext cx="2188978" cy="2811517"/>
-          </a:xfrm>
-          <a:prstGeom prst="rect">
-            <a:avLst/>
-          </a:prstGeom>
-        </p:spPr>
-      </p:pic>
-      <p:sp>
-        <p:nvSpPr>
-          <p:cNvPr id="3" name="TextBox 2">
-            <a:extLst>
-              <a:ext uri="{FF2B5EF4-FFF2-40B4-BE49-F238E27FC236}">
-                <a16:creationId xmlns:a16="http://schemas.microsoft.com/office/drawing/2014/main" id="{F570DEBD-C316-4065-82C7-C7B236BE539A}"/>
-              </a:ext>
-            </a:extLst>
-          </p:cNvPr>
-          <p:cNvSpPr txBox="1"/>
-          <p:nvPr/>
-        </p:nvSpPr>
-        <p:spPr>
-          <a:xfrm>
-            <a:off x="408372" y="4519448"/>
-            <a:ext cx="3664584" cy="1815882"/>
-          </a:xfrm>
-          <a:prstGeom prst="rect">
-            <a:avLst/>
-          </a:prstGeom>
-          <a:noFill/>
-        </p:spPr>
-        <p:txBody>
-          <a:bodyPr wrap="square" rtlCol="0">
-            <a:spAutoFit/>
-          </a:bodyPr>
-          <a:lstStyle/>
-          <a:p>
-            <a:r>
-              <a:rPr lang="en-US" sz="1400"/>
-              <a:t>Mophorn 25Ft 50Amp Generator Extension Cord 6 Gauge STW 6/3+8/1 Generator Cord UL Listed Generator Power Cord N14-50P to Bare Wire Cut Wire Cord Extension Power Cord RV Motor Home Generator Portable</a:t>
-            </a:r>
-          </a:p>
-          <a:p>
-            <a:r>
-              <a:rPr lang="en-US" sz="1400"/>
-              <a:t>Brand: Mophorn</a:t>
-            </a:r>
-          </a:p>
-          <a:p>
-            <a:r>
-              <a:rPr lang="en-US" sz="1400"/>
-              <a:t>25'</a:t>
-            </a:r>
-          </a:p>
-          <a:p>
-            <a:r>
-              <a:rPr lang="en-US" sz="1400"/>
-              <a:t>$101.00</a:t>
-            </a:r>
-          </a:p>
-        </p:txBody>
-      </p:sp>
-      <p:pic>
-        <p:nvPicPr>
-          <p:cNvPr id="4" name="Picture 3">
-            <a:extLst>
-              <a:ext uri="{FF2B5EF4-FFF2-40B4-BE49-F238E27FC236}">
-                <a16:creationId xmlns:a16="http://schemas.microsoft.com/office/drawing/2014/main" id="{B7859FC3-E938-25E9-466C-E55552FC73AA}"/>
-              </a:ext>
-            </a:extLst>
-          </p:cNvPr>
-          <p:cNvPicPr>
-            <a:picLocks noChangeAspect="1"/>
-          </p:cNvPicPr>
-          <p:nvPr/>
-        </p:nvPicPr>
-        <p:blipFill>
-          <a:blip r:embed="rId3" cstate="email">
-            <a:extLst>
-              <a:ext uri="{28A0092B-C50C-407E-A947-70E740481C1C}">
-                <a14:useLocalDpi xmlns:a14="http://schemas.microsoft.com/office/drawing/2010/main"/>
-              </a:ext>
-            </a:extLst>
-          </a:blip>
-          <a:stretch>
-            <a:fillRect/>
-          </a:stretch>
-        </p:blipFill>
-        <p:spPr>
-          <a:xfrm>
-            <a:off x="4308475" y="1455682"/>
-            <a:ext cx="3575050" cy="2895600"/>
-          </a:xfrm>
-          <a:prstGeom prst="rect">
-            <a:avLst/>
-          </a:prstGeom>
-        </p:spPr>
-      </p:pic>
-      <p:sp>
-        <p:nvSpPr>
-          <p:cNvPr id="5" name="TextBox 4">
-            <a:extLst>
-              <a:ext uri="{FF2B5EF4-FFF2-40B4-BE49-F238E27FC236}">
-                <a16:creationId xmlns:a16="http://schemas.microsoft.com/office/drawing/2014/main" id="{F390431E-8D73-D538-3F4A-B075B1271595}"/>
-              </a:ext>
-            </a:extLst>
-          </p:cNvPr>
-          <p:cNvSpPr txBox="1"/>
-          <p:nvPr/>
-        </p:nvSpPr>
-        <p:spPr>
-          <a:xfrm>
-            <a:off x="4308475" y="4519448"/>
-            <a:ext cx="2911365" cy="1815882"/>
-          </a:xfrm>
-          <a:prstGeom prst="rect">
-            <a:avLst/>
-          </a:prstGeom>
-          <a:noFill/>
-        </p:spPr>
-        <p:txBody>
-          <a:bodyPr wrap="square" rtlCol="0">
-            <a:spAutoFit/>
-          </a:bodyPr>
-          <a:lstStyle/>
-          <a:p>
-            <a:r>
-              <a:rPr lang="en-US" sz="1400"/>
-              <a:t>WELLUCK RV Power Outlet Box| 50 Amp 125/250 Volt, NEMA 14-50R Receptacle | Enclosed Lockable Outdoor Electrical Panel Weatherproof Plug for Temporary Hookup RV Camper Travel Trailer Car Generator</a:t>
-            </a:r>
-          </a:p>
-          <a:p>
-            <a:r>
-              <a:rPr lang="en-US" sz="1400"/>
-              <a:t>$36.00</a:t>
-            </a:r>
-          </a:p>
-        </p:txBody>
-      </p:sp>
-      <p:pic>
-        <p:nvPicPr>
-          <p:cNvPr id="6" name="Picture 5">
-            <a:extLst>
-              <a:ext uri="{FF2B5EF4-FFF2-40B4-BE49-F238E27FC236}">
-                <a16:creationId xmlns:a16="http://schemas.microsoft.com/office/drawing/2014/main" id="{36A70708-76F0-6DD5-5D5B-5FF097B66A90}"/>
-              </a:ext>
-            </a:extLst>
-          </p:cNvPr>
-          <p:cNvPicPr>
-            <a:picLocks noChangeAspect="1"/>
-          </p:cNvPicPr>
-          <p:nvPr/>
-        </p:nvPicPr>
-        <p:blipFill>
-          <a:blip r:embed="rId4" cstate="email">
-            <a:extLst>
-              <a:ext uri="{28A0092B-C50C-407E-A947-70E740481C1C}">
-                <a14:useLocalDpi xmlns:a14="http://schemas.microsoft.com/office/drawing/2010/main"/>
-              </a:ext>
-            </a:extLst>
-          </a:blip>
-          <a:stretch>
-            <a:fillRect/>
-          </a:stretch>
-        </p:blipFill>
-        <p:spPr>
-          <a:xfrm>
-            <a:off x="9249104" y="278898"/>
-            <a:ext cx="2064626" cy="1176784"/>
-          </a:xfrm>
-          <a:prstGeom prst="rect">
-            <a:avLst/>
-          </a:prstGeom>
-        </p:spPr>
-      </p:pic>
-      <p:sp>
-        <p:nvSpPr>
-          <p:cNvPr id="7" name="TextBox 6">
-            <a:extLst>
-              <a:ext uri="{FF2B5EF4-FFF2-40B4-BE49-F238E27FC236}">
-                <a16:creationId xmlns:a16="http://schemas.microsoft.com/office/drawing/2014/main" id="{98B30F86-1B0E-2E28-0DA6-6CA93F89264B}"/>
-              </a:ext>
-            </a:extLst>
-          </p:cNvPr>
-          <p:cNvSpPr txBox="1"/>
-          <p:nvPr/>
-        </p:nvSpPr>
-        <p:spPr>
-          <a:xfrm>
-            <a:off x="9028387" y="1768739"/>
-            <a:ext cx="2827282" cy="1600438"/>
-          </a:xfrm>
-          <a:prstGeom prst="rect">
-            <a:avLst/>
-          </a:prstGeom>
-          <a:noFill/>
-        </p:spPr>
-        <p:txBody>
-          <a:bodyPr wrap="square" rtlCol="0">
-            <a:spAutoFit/>
-          </a:bodyPr>
-          <a:lstStyle/>
-          <a:p>
-            <a:r>
-              <a:rPr lang="en-US" sz="1400"/>
-              <a:t>RVGUARD 4 Prong 30 Amp </a:t>
-            </a:r>
-          </a:p>
-          <a:p>
-            <a:r>
-              <a:rPr lang="en-US" sz="1400"/>
-              <a:t>NEMA L14-30P/L14-30R, 125/250V Up to 7500W </a:t>
-            </a:r>
-          </a:p>
-          <a:p>
-            <a:r>
-              <a:rPr lang="en-US" sz="1400"/>
-              <a:t>10 Gauge SJTW Generator Cord, </a:t>
-            </a:r>
-          </a:p>
-          <a:p>
-            <a:r>
-              <a:rPr lang="en-US" sz="1400"/>
-              <a:t>ETL Listed</a:t>
-            </a:r>
-          </a:p>
-          <a:p>
-            <a:r>
-              <a:rPr lang="en-US" sz="1400"/>
-              <a:t>15 Feet </a:t>
-            </a:r>
-          </a:p>
-          <a:p>
-            <a:r>
-              <a:rPr lang="en-US" sz="1400"/>
-              <a:t>$46.00</a:t>
-            </a:r>
-          </a:p>
-        </p:txBody>
-      </p:sp>
-      <p:pic>
-        <p:nvPicPr>
-          <p:cNvPr id="8" name="Picture 7">
-            <a:extLst>
-              <a:ext uri="{FF2B5EF4-FFF2-40B4-BE49-F238E27FC236}">
-                <a16:creationId xmlns:a16="http://schemas.microsoft.com/office/drawing/2014/main" id="{1F77E2D1-6A81-5A82-D249-DEC662A5F57E}"/>
-              </a:ext>
-            </a:extLst>
-          </p:cNvPr>
-          <p:cNvPicPr>
-            <a:picLocks noChangeAspect="1"/>
-          </p:cNvPicPr>
-          <p:nvPr/>
-        </p:nvPicPr>
-        <p:blipFill>
-          <a:blip r:embed="rId5" cstate="email">
-            <a:extLst>
-              <a:ext uri="{28A0092B-C50C-407E-A947-70E740481C1C}">
-                <a14:useLocalDpi xmlns:a14="http://schemas.microsoft.com/office/drawing/2010/main"/>
-              </a:ext>
-            </a:extLst>
-          </a:blip>
-          <a:stretch>
-            <a:fillRect/>
-          </a:stretch>
-        </p:blipFill>
-        <p:spPr>
-          <a:xfrm>
-            <a:off x="9605890" y="3682234"/>
-            <a:ext cx="1021141" cy="1118038"/>
-          </a:xfrm>
-          <a:prstGeom prst="rect">
-            <a:avLst/>
-          </a:prstGeom>
-        </p:spPr>
-      </p:pic>
-      <p:sp>
-        <p:nvSpPr>
-          <p:cNvPr id="9" name="TextBox 8">
-            <a:extLst>
-              <a:ext uri="{FF2B5EF4-FFF2-40B4-BE49-F238E27FC236}">
-                <a16:creationId xmlns:a16="http://schemas.microsoft.com/office/drawing/2014/main" id="{84E61BCC-D73D-3340-2847-0A8607D406A9}"/>
-              </a:ext>
-            </a:extLst>
-          </p:cNvPr>
-          <p:cNvSpPr txBox="1"/>
-          <p:nvPr/>
-        </p:nvSpPr>
-        <p:spPr>
-          <a:xfrm>
-            <a:off x="8923283" y="4918841"/>
-            <a:ext cx="2638096" cy="1169551"/>
-          </a:xfrm>
-          <a:prstGeom prst="rect">
-            <a:avLst/>
-          </a:prstGeom>
-          <a:noFill/>
-        </p:spPr>
-        <p:txBody>
-          <a:bodyPr wrap="square" rtlCol="0">
-            <a:spAutoFit/>
-          </a:bodyPr>
-          <a:lstStyle/>
-          <a:p>
-            <a:r>
-              <a:rPr lang="en-US" sz="1400"/>
-              <a:t>Miady NEMA 14-50P Power Plug, 50-Amp 4-Prong 125/250V Straight Blade Angles Dryer Replacement Male Plug</a:t>
-            </a:r>
-          </a:p>
-          <a:p>
-            <a:r>
-              <a:rPr lang="en-US" sz="1400"/>
-              <a:t>$12</a:t>
-            </a:r>
-          </a:p>
-        </p:txBody>
-      </p:sp>
-    </p:spTree>
-    <p:extLst>
-      <p:ext uri="{BB962C8B-B14F-4D97-AF65-F5344CB8AC3E}">
-        <p14:creationId xmlns:p14="http://schemas.microsoft.com/office/powerpoint/2010/main" val="3157907611"/>
-      </p:ext>
-    </p:extLst>
-  </p:cSld>
-  <p:clrMapOvr>
-    <a:masterClrMapping/>
-  </p:clrMapOvr>
-</p:sld>
-</file>
-
-<file path=ppt/slides/slide3.xml><?xml version="1.0" encoding="utf-8"?>
-<p:sld xmlns:a="http://schemas.openxmlformats.org/drawingml/2006/main" xmlns:r="http://schemas.openxmlformats.org/officeDocument/2006/relationships" xmlns:p="http://schemas.openxmlformats.org/presentationml/2006/main">
-  <p:cSld>
-    <p:spTree>
-      <p:nvGrpSpPr>
         <p:cNvPr id="1" name="">
           <a:extLst>
             <a:ext uri="{FF2B5EF4-FFF2-40B4-BE49-F238E27FC236}">
@@ -4354,13 +3979,34 @@
           <a:lstStyle/>
           <a:p>
             <a:r>
-              <a:rPr lang="en-US" sz="1400"/>
-              <a:t>WELLUCK RV Power Outlet Box| 50 Amp 125/250 Volt, NEMA 14-50R Receptacle | Enclosed Lockable Outdoor Electrical Panel Weatherproof Plug for Temporary Hookup RV Camper Travel Trailer Car Generator</a:t>
-            </a:r>
-          </a:p>
-          <a:p>
-            <a:r>
-              <a:rPr lang="en-US" sz="1400"/>
+              <a:rPr lang="en-US" sz="1400" dirty="0"/>
+              <a:t>WELLUCK RV Power Outlet Box</a:t>
+            </a:r>
+            <a:br>
+              <a:rPr lang="en-US" sz="1400" dirty="0"/>
+            </a:br>
+            <a:r>
+              <a:rPr lang="en-US" sz="1400" dirty="0"/>
+              <a:t>50 Amp 125/250 Volt, </a:t>
+            </a:r>
+            <a:br>
+              <a:rPr lang="en-US" sz="1400" dirty="0"/>
+            </a:br>
+            <a:r>
+              <a:rPr lang="en-US" sz="1400" dirty="0"/>
+              <a:t>NEMA 14-50R Receptacle </a:t>
+            </a:r>
+            <a:br>
+              <a:rPr lang="en-US" sz="1400" dirty="0"/>
+            </a:br>
+            <a:r>
+              <a:rPr lang="en-US" sz="1400" dirty="0"/>
+              <a:t>Enclosed Lockable Outdoor Electrical Panel Weatherproof Plug for Temporary Hookup RV Camper Travel Trailer Car Generator</a:t>
+            </a:r>
+          </a:p>
+          <a:p>
+            <a:r>
+              <a:rPr lang="en-US" sz="1400" dirty="0"/>
               <a:t>$36.00</a:t>
             </a:r>
           </a:p>
@@ -4548,6 +4194,327 @@
     <p:extLst>
       <p:ext uri="{BB962C8B-B14F-4D97-AF65-F5344CB8AC3E}">
         <p14:creationId xmlns:p14="http://schemas.microsoft.com/office/powerpoint/2010/main" val="3204504762"/>
+      </p:ext>
+    </p:extLst>
+  </p:cSld>
+  <p:clrMapOvr>
+    <a:masterClrMapping/>
+  </p:clrMapOvr>
+</p:sld>
+</file>
+
+<file path=ppt/slides/slide3.xml><?xml version="1.0" encoding="utf-8"?>
+<p:sld xmlns:a="http://schemas.openxmlformats.org/drawingml/2006/main" xmlns:r="http://schemas.openxmlformats.org/officeDocument/2006/relationships" xmlns:p="http://schemas.openxmlformats.org/presentationml/2006/main">
+  <p:cSld>
+    <p:spTree>
+      <p:nvGrpSpPr>
+        <p:cNvPr id="1" name=""/>
+        <p:cNvGrpSpPr/>
+        <p:nvPr/>
+      </p:nvGrpSpPr>
+      <p:grpSpPr>
+        <a:xfrm>
+          <a:off x="0" y="0"/>
+          <a:ext cx="0" cy="0"/>
+          <a:chOff x="0" y="0"/>
+          <a:chExt cx="0" cy="0"/>
+        </a:xfrm>
+      </p:grpSpPr>
+      <p:sp>
+        <p:nvSpPr>
+          <p:cNvPr id="4" name="TextBox 3">
+            <a:extLst>
+              <a:ext uri="{FF2B5EF4-FFF2-40B4-BE49-F238E27FC236}">
+                <a16:creationId xmlns:a16="http://schemas.microsoft.com/office/drawing/2014/main" id="{66B310C2-CE44-BD76-D583-B4E3D7BDFA4A}"/>
+              </a:ext>
+            </a:extLst>
+          </p:cNvPr>
+          <p:cNvSpPr txBox="1"/>
+          <p:nvPr/>
+        </p:nvSpPr>
+        <p:spPr>
+          <a:xfrm>
+            <a:off x="0" y="0"/>
+            <a:ext cx="4330262" cy="954107"/>
+          </a:xfrm>
+          <a:prstGeom prst="rect">
+            <a:avLst/>
+          </a:prstGeom>
+          <a:noFill/>
+        </p:spPr>
+        <p:txBody>
+          <a:bodyPr wrap="square" rtlCol="0">
+            <a:spAutoFit/>
+          </a:bodyPr>
+          <a:lstStyle/>
+          <a:p>
+            <a:r>
+              <a:rPr lang="en-US" sz="2800" b="1"/>
+              <a:t>Outlet for 50A for Tesla / generator</a:t>
+            </a:r>
+          </a:p>
+        </p:txBody>
+      </p:sp>
+      <p:sp>
+        <p:nvSpPr>
+          <p:cNvPr id="5" name="TextBox 4">
+            <a:extLst>
+              <a:ext uri="{FF2B5EF4-FFF2-40B4-BE49-F238E27FC236}">
+                <a16:creationId xmlns:a16="http://schemas.microsoft.com/office/drawing/2014/main" id="{7FEEB734-25C1-5F8A-526D-3CB1B8DD47B1}"/>
+              </a:ext>
+            </a:extLst>
+          </p:cNvPr>
+          <p:cNvSpPr txBox="1"/>
+          <p:nvPr/>
+        </p:nvSpPr>
+        <p:spPr>
+          <a:xfrm>
+            <a:off x="503102" y="5654697"/>
+            <a:ext cx="4330262" cy="523220"/>
+          </a:xfrm>
+          <a:prstGeom prst="rect">
+            <a:avLst/>
+          </a:prstGeom>
+          <a:solidFill>
+            <a:schemeClr val="accent4">
+              <a:lumMod val="20000"/>
+              <a:lumOff val="80000"/>
+            </a:schemeClr>
+          </a:solidFill>
+          <a:ln>
+            <a:solidFill>
+              <a:srgbClr val="FF0000"/>
+            </a:solidFill>
+          </a:ln>
+        </p:spPr>
+        <p:txBody>
+          <a:bodyPr wrap="square" rtlCol="0">
+            <a:spAutoFit/>
+          </a:bodyPr>
+          <a:lstStyle/>
+          <a:p>
+            <a:r>
+              <a:rPr lang="en-US" sz="1400"/>
+              <a:t>NEMA 14-50R. </a:t>
+            </a:r>
+            <a:br>
+              <a:rPr lang="en-US" sz="1400"/>
+            </a:br>
+            <a:r>
+              <a:rPr lang="en-US" sz="1400"/>
+              <a:t>50A Leviton Outlet</a:t>
+            </a:r>
+          </a:p>
+        </p:txBody>
+      </p:sp>
+      <p:sp>
+        <p:nvSpPr>
+          <p:cNvPr id="2" name="AutoShape 2">
+            <a:extLst>
+              <a:ext uri="{FF2B5EF4-FFF2-40B4-BE49-F238E27FC236}">
+                <a16:creationId xmlns:a16="http://schemas.microsoft.com/office/drawing/2014/main" id="{C8E66D24-7701-2070-55FF-70F792C6FA2D}"/>
+              </a:ext>
+            </a:extLst>
+          </p:cNvPr>
+          <p:cNvSpPr>
+            <a:spLocks noChangeAspect="1" noChangeArrowheads="1"/>
+          </p:cNvSpPr>
+          <p:nvPr/>
+        </p:nvSpPr>
+        <p:spPr bwMode="auto">
+          <a:xfrm>
+            <a:off x="1049311" y="3276599"/>
+            <a:ext cx="5199089" cy="5199089"/>
+          </a:xfrm>
+          <a:prstGeom prst="rect">
+            <a:avLst/>
+          </a:prstGeom>
+          <a:noFill/>
+          <a:extLst>
+            <a:ext uri="{909E8E84-426E-40DD-AFC4-6F175D3DCCD1}">
+              <a14:hiddenFill xmlns:a14="http://schemas.microsoft.com/office/drawing/2010/main">
+                <a:solidFill>
+                  <a:srgbClr val="FFFFFF"/>
+                </a:solidFill>
+              </a14:hiddenFill>
+            </a:ext>
+          </a:extLst>
+        </p:spPr>
+        <p:txBody>
+          <a:bodyPr vert="horz" wrap="square" lIns="91440" tIns="45720" rIns="91440" bIns="45720" numCol="1" anchor="t" anchorCtr="0" compatLnSpc="1">
+            <a:prstTxWarp prst="textNoShape">
+              <a:avLst/>
+            </a:prstTxWarp>
+          </a:bodyPr>
+          <a:lstStyle/>
+          <a:p>
+            <a:endParaRPr lang="en-US"/>
+          </a:p>
+        </p:txBody>
+      </p:sp>
+      <p:pic>
+        <p:nvPicPr>
+          <p:cNvPr id="3" name="Picture 2">
+            <a:extLst>
+              <a:ext uri="{FF2B5EF4-FFF2-40B4-BE49-F238E27FC236}">
+                <a16:creationId xmlns:a16="http://schemas.microsoft.com/office/drawing/2014/main" id="{7E14003E-9C46-20F1-72A1-7ED1CCDD5839}"/>
+              </a:ext>
+            </a:extLst>
+          </p:cNvPr>
+          <p:cNvPicPr>
+            <a:picLocks noChangeAspect="1"/>
+          </p:cNvPicPr>
+          <p:nvPr/>
+        </p:nvPicPr>
+        <p:blipFill>
+          <a:blip r:embed="rId2" cstate="email">
+            <a:extLst>
+              <a:ext uri="{28A0092B-C50C-407E-A947-70E740481C1C}">
+                <a14:useLocalDpi xmlns:a14="http://schemas.microsoft.com/office/drawing/2010/main"/>
+              </a:ext>
+            </a:extLst>
+          </a:blip>
+          <a:stretch>
+            <a:fillRect/>
+          </a:stretch>
+        </p:blipFill>
+        <p:spPr>
+          <a:xfrm>
+            <a:off x="7748589" y="1699424"/>
+            <a:ext cx="2204310" cy="3581088"/>
+          </a:xfrm>
+          <a:prstGeom prst="rect">
+            <a:avLst/>
+          </a:prstGeom>
+        </p:spPr>
+      </p:pic>
+      <p:sp>
+        <p:nvSpPr>
+          <p:cNvPr id="6" name="TextBox 5">
+            <a:extLst>
+              <a:ext uri="{FF2B5EF4-FFF2-40B4-BE49-F238E27FC236}">
+                <a16:creationId xmlns:a16="http://schemas.microsoft.com/office/drawing/2014/main" id="{70F488CA-640A-6EA1-F53E-49DDC9BDC67B}"/>
+              </a:ext>
+            </a:extLst>
+          </p:cNvPr>
+          <p:cNvSpPr txBox="1"/>
+          <p:nvPr/>
+        </p:nvSpPr>
+        <p:spPr>
+          <a:xfrm>
+            <a:off x="6685613" y="0"/>
+            <a:ext cx="4330262" cy="523220"/>
+          </a:xfrm>
+          <a:prstGeom prst="rect">
+            <a:avLst/>
+          </a:prstGeom>
+          <a:noFill/>
+        </p:spPr>
+        <p:txBody>
+          <a:bodyPr wrap="square" rtlCol="0">
+            <a:spAutoFit/>
+          </a:bodyPr>
+          <a:lstStyle/>
+          <a:p>
+            <a:r>
+              <a:rPr lang="en-US" sz="2800" b="1"/>
+              <a:t>Outlet for 30A</a:t>
+            </a:r>
+          </a:p>
+        </p:txBody>
+      </p:sp>
+      <p:pic>
+        <p:nvPicPr>
+          <p:cNvPr id="9" name="Picture 8">
+            <a:extLst>
+              <a:ext uri="{FF2B5EF4-FFF2-40B4-BE49-F238E27FC236}">
+                <a16:creationId xmlns:a16="http://schemas.microsoft.com/office/drawing/2014/main" id="{D797B9DD-F455-4E18-CEF6-EFA837636A7A}"/>
+              </a:ext>
+            </a:extLst>
+          </p:cNvPr>
+          <p:cNvPicPr>
+            <a:picLocks noChangeAspect="1"/>
+          </p:cNvPicPr>
+          <p:nvPr/>
+        </p:nvPicPr>
+        <p:blipFill>
+          <a:blip r:embed="rId3" cstate="email">
+            <a:extLst>
+              <a:ext uri="{28A0092B-C50C-407E-A947-70E740481C1C}">
+                <a14:useLocalDpi xmlns:a14="http://schemas.microsoft.com/office/drawing/2010/main"/>
+              </a:ext>
+            </a:extLst>
+          </a:blip>
+          <a:stretch>
+            <a:fillRect/>
+          </a:stretch>
+        </p:blipFill>
+        <p:spPr>
+          <a:xfrm>
+            <a:off x="1344118" y="1851512"/>
+            <a:ext cx="2032000" cy="3429000"/>
+          </a:xfrm>
+          <a:prstGeom prst="rect">
+            <a:avLst/>
+          </a:prstGeom>
+        </p:spPr>
+      </p:pic>
+      <p:sp>
+        <p:nvSpPr>
+          <p:cNvPr id="10" name="TextBox 9">
+            <a:extLst>
+              <a:ext uri="{FF2B5EF4-FFF2-40B4-BE49-F238E27FC236}">
+                <a16:creationId xmlns:a16="http://schemas.microsoft.com/office/drawing/2014/main" id="{37FEDD7C-A413-4B99-C553-E333462DF6D9}"/>
+              </a:ext>
+            </a:extLst>
+          </p:cNvPr>
+          <p:cNvSpPr txBox="1"/>
+          <p:nvPr/>
+        </p:nvSpPr>
+        <p:spPr>
+          <a:xfrm>
+            <a:off x="6794609" y="5614533"/>
+            <a:ext cx="4330262" cy="523220"/>
+          </a:xfrm>
+          <a:prstGeom prst="rect">
+            <a:avLst/>
+          </a:prstGeom>
+          <a:solidFill>
+            <a:schemeClr val="accent4">
+              <a:lumMod val="20000"/>
+              <a:lumOff val="80000"/>
+            </a:schemeClr>
+          </a:solidFill>
+          <a:ln>
+            <a:solidFill>
+              <a:srgbClr val="FF0000"/>
+            </a:solidFill>
+          </a:ln>
+        </p:spPr>
+        <p:txBody>
+          <a:bodyPr wrap="square" rtlCol="0">
+            <a:spAutoFit/>
+          </a:bodyPr>
+          <a:lstStyle/>
+          <a:p>
+            <a:r>
+              <a:rPr lang="en-US" sz="1400"/>
+              <a:t>NEMA 14-30</a:t>
+            </a:r>
+            <a:br>
+              <a:rPr lang="en-US" sz="1400"/>
+            </a:br>
+            <a:r>
+              <a:rPr lang="en-US" sz="1400"/>
+              <a:t>30A Leviton Outlet</a:t>
+            </a:r>
+          </a:p>
+        </p:txBody>
+      </p:sp>
+    </p:spTree>
+    <p:extLst>
+      <p:ext uri="{BB962C8B-B14F-4D97-AF65-F5344CB8AC3E}">
+        <p14:creationId xmlns:p14="http://schemas.microsoft.com/office/powerpoint/2010/main" val="3288051204"/>
       </p:ext>
     </p:extLst>
   </p:cSld>
@@ -4576,10 +4543,10 @@
       </p:grpSpPr>
       <p:sp>
         <p:nvSpPr>
-          <p:cNvPr id="4" name="TextBox 3">
-            <a:extLst>
-              <a:ext uri="{FF2B5EF4-FFF2-40B4-BE49-F238E27FC236}">
-                <a16:creationId xmlns:a16="http://schemas.microsoft.com/office/drawing/2014/main" id="{66B310C2-CE44-BD76-D583-B4E3D7BDFA4A}"/>
+          <p:cNvPr id="2" name="TextBox 1">
+            <a:extLst>
+              <a:ext uri="{FF2B5EF4-FFF2-40B4-BE49-F238E27FC236}">
+                <a16:creationId xmlns:a16="http://schemas.microsoft.com/office/drawing/2014/main" id="{B0E32E4B-A729-5C47-72B8-01415F3F149C}"/>
               </a:ext>
             </a:extLst>
           </p:cNvPr>
@@ -4589,7 +4556,7 @@
         <p:spPr>
           <a:xfrm>
             <a:off x="0" y="0"/>
-            <a:ext cx="4330262" cy="954107"/>
+            <a:ext cx="2795752" cy="523220"/>
           </a:xfrm>
           <a:prstGeom prst="rect">
             <a:avLst/>
@@ -4604,105 +4571,8 @@
           <a:p>
             <a:r>
               <a:rPr lang="en-US" sz="2800" b="1"/>
-              <a:t>Outlet for 50A for Tesla / generator</a:t>
-            </a:r>
-          </a:p>
-        </p:txBody>
-      </p:sp>
-      <p:sp>
-        <p:nvSpPr>
-          <p:cNvPr id="5" name="TextBox 4">
-            <a:extLst>
-              <a:ext uri="{FF2B5EF4-FFF2-40B4-BE49-F238E27FC236}">
-                <a16:creationId xmlns:a16="http://schemas.microsoft.com/office/drawing/2014/main" id="{7FEEB734-25C1-5F8A-526D-3CB1B8DD47B1}"/>
-              </a:ext>
-            </a:extLst>
-          </p:cNvPr>
-          <p:cNvSpPr txBox="1"/>
-          <p:nvPr/>
-        </p:nvSpPr>
-        <p:spPr>
-          <a:xfrm>
-            <a:off x="503102" y="5654697"/>
-            <a:ext cx="4330262" cy="523220"/>
-          </a:xfrm>
-          <a:prstGeom prst="rect">
-            <a:avLst/>
-          </a:prstGeom>
-          <a:solidFill>
-            <a:schemeClr val="accent4">
-              <a:lumMod val="20000"/>
-              <a:lumOff val="80000"/>
-            </a:schemeClr>
-          </a:solidFill>
-          <a:ln>
-            <a:solidFill>
-              <a:srgbClr val="FF0000"/>
-            </a:solidFill>
-          </a:ln>
-        </p:spPr>
-        <p:txBody>
-          <a:bodyPr wrap="square" rtlCol="0">
-            <a:spAutoFit/>
-          </a:bodyPr>
-          <a:lstStyle/>
-          <a:p>
-            <a:r>
-              <a:rPr lang="en-US" sz="1400"/>
-              <a:t>NEMA 14-50R. </a:t>
-            </a:r>
-            <a:br>
-              <a:rPr lang="en-US" sz="1400"/>
-            </a:br>
-            <a:r>
-              <a:rPr lang="en-US" sz="1400"/>
-              <a:t>50A Leviton Outlet</a:t>
-            </a:r>
-          </a:p>
-        </p:txBody>
-      </p:sp>
-      <p:sp>
-        <p:nvSpPr>
-          <p:cNvPr id="2" name="AutoShape 2">
-            <a:extLst>
-              <a:ext uri="{FF2B5EF4-FFF2-40B4-BE49-F238E27FC236}">
-                <a16:creationId xmlns:a16="http://schemas.microsoft.com/office/drawing/2014/main" id="{C8E66D24-7701-2070-55FF-70F792C6FA2D}"/>
-              </a:ext>
-            </a:extLst>
-          </p:cNvPr>
-          <p:cNvSpPr>
-            <a:spLocks noChangeAspect="1" noChangeArrowheads="1"/>
-          </p:cNvSpPr>
-          <p:nvPr/>
-        </p:nvSpPr>
-        <p:spPr bwMode="auto">
-          <a:xfrm>
-            <a:off x="1049311" y="3276599"/>
-            <a:ext cx="5199089" cy="5199089"/>
-          </a:xfrm>
-          <a:prstGeom prst="rect">
-            <a:avLst/>
-          </a:prstGeom>
-          <a:noFill/>
-          <a:extLst>
-            <a:ext uri="{909E8E84-426E-40DD-AFC4-6F175D3DCCD1}">
-              <a14:hiddenFill xmlns:a14="http://schemas.microsoft.com/office/drawing/2010/main">
-                <a:solidFill>
-                  <a:srgbClr val="FFFFFF"/>
-                </a:solidFill>
-              </a14:hiddenFill>
-            </a:ext>
-          </a:extLst>
-        </p:spPr>
-        <p:txBody>
-          <a:bodyPr vert="horz" wrap="square" lIns="91440" tIns="45720" rIns="91440" bIns="45720" numCol="1" anchor="t" anchorCtr="0" compatLnSpc="1">
-            <a:prstTxWarp prst="textNoShape">
-              <a:avLst/>
-            </a:prstTxWarp>
-          </a:bodyPr>
-          <a:lstStyle/>
-          <a:p>
-            <a:endParaRPr lang="en-US"/>
+              <a:t>Honda EU7000is</a:t>
+            </a:r>
           </a:p>
         </p:txBody>
       </p:sp>
@@ -4711,7 +4581,7 @@
           <p:cNvPr id="3" name="Picture 2">
             <a:extLst>
               <a:ext uri="{FF2B5EF4-FFF2-40B4-BE49-F238E27FC236}">
-                <a16:creationId xmlns:a16="http://schemas.microsoft.com/office/drawing/2014/main" id="{7E14003E-9C46-20F1-72A1-7ED1CCDD5839}"/>
+                <a16:creationId xmlns:a16="http://schemas.microsoft.com/office/drawing/2014/main" id="{3314BA51-EDB5-4E61-9566-99E5138CFA92}"/>
               </a:ext>
             </a:extLst>
           </p:cNvPr>
@@ -4734,8 +4604,8 @@
         </p:blipFill>
         <p:spPr>
           <a:xfrm>
-            <a:off x="7748589" y="1699424"/>
-            <a:ext cx="2204310" cy="3581088"/>
+            <a:off x="56335" y="511284"/>
+            <a:ext cx="3207141" cy="2917716"/>
           </a:xfrm>
           <a:prstGeom prst="rect">
             <a:avLst/>
@@ -4744,10 +4614,10 @@
       </p:pic>
       <p:sp>
         <p:nvSpPr>
-          <p:cNvPr id="6" name="TextBox 5">
-            <a:extLst>
-              <a:ext uri="{FF2B5EF4-FFF2-40B4-BE49-F238E27FC236}">
-                <a16:creationId xmlns:a16="http://schemas.microsoft.com/office/drawing/2014/main" id="{70F488CA-640A-6EA1-F53E-49DDC9BDC67B}"/>
+          <p:cNvPr id="5" name="TextBox 4">
+            <a:extLst>
+              <a:ext uri="{FF2B5EF4-FFF2-40B4-BE49-F238E27FC236}">
+                <a16:creationId xmlns:a16="http://schemas.microsoft.com/office/drawing/2014/main" id="{9E782358-62C0-8346-DA70-6D7A2D6E0636}"/>
               </a:ext>
             </a:extLst>
           </p:cNvPr>
@@ -4756,8 +4626,8 @@
         </p:nvSpPr>
         <p:spPr>
           <a:xfrm>
-            <a:off x="6685613" y="0"/>
-            <a:ext cx="4330262" cy="523220"/>
+            <a:off x="8858910" y="3817941"/>
+            <a:ext cx="2648607" cy="253916"/>
           </a:xfrm>
           <a:prstGeom prst="rect">
             <a:avLst/>
@@ -4765,24 +4635,100 @@
           <a:noFill/>
         </p:spPr>
         <p:txBody>
+          <a:bodyPr wrap="square">
+            <a:spAutoFit/>
+          </a:bodyPr>
+          <a:lstStyle/>
+          <a:p>
+            <a:r>
+              <a:rPr lang="en-US" sz="1050">
+                <a:hlinkClick r:id="rId3"/>
+              </a:rPr>
+              <a:t>https://www.amazon.com/dp/B08GLJRR4K</a:t>
+            </a:r>
+            <a:endParaRPr lang="en-US" sz="1050"/>
+          </a:p>
+        </p:txBody>
+      </p:sp>
+      <p:sp>
+        <p:nvSpPr>
+          <p:cNvPr id="7" name="TextBox 6">
+            <a:extLst>
+              <a:ext uri="{FF2B5EF4-FFF2-40B4-BE49-F238E27FC236}">
+                <a16:creationId xmlns:a16="http://schemas.microsoft.com/office/drawing/2014/main" id="{27BD339F-C95E-6936-A9D9-97B921982029}"/>
+              </a:ext>
+            </a:extLst>
+          </p:cNvPr>
+          <p:cNvSpPr txBox="1"/>
+          <p:nvPr/>
+        </p:nvSpPr>
+        <p:spPr>
+          <a:xfrm>
+            <a:off x="8543599" y="2648390"/>
+            <a:ext cx="3541986" cy="1169551"/>
+          </a:xfrm>
+          <a:prstGeom prst="rect">
+            <a:avLst/>
+          </a:prstGeom>
+          <a:noFill/>
+        </p:spPr>
+        <p:txBody>
           <a:bodyPr wrap="square" rtlCol="0">
             <a:spAutoFit/>
           </a:bodyPr>
           <a:lstStyle/>
           <a:p>
             <a:r>
-              <a:rPr lang="en-US" sz="2800" b="1"/>
-              <a:t>Outlet for 30A</a:t>
-            </a:r>
+              <a:rPr lang="en-US" sz="1400" dirty="0"/>
+              <a:t>WELLUCK 30 Amp Generator Power Inlet Box, NEMA 3R Power Inlet Box with 4 Prone, PB30, L14-30P, 125/250 Volt, 7500W Generator Inlet for Outdoor Receptacle, Generator Outlet, Weatherproof, ETL Listed</a:t>
+            </a:r>
+          </a:p>
+        </p:txBody>
+      </p:sp>
+      <p:sp>
+        <p:nvSpPr>
+          <p:cNvPr id="8" name="TextBox 7">
+            <a:extLst>
+              <a:ext uri="{FF2B5EF4-FFF2-40B4-BE49-F238E27FC236}">
+                <a16:creationId xmlns:a16="http://schemas.microsoft.com/office/drawing/2014/main" id="{ABE418A0-47E8-3486-75DD-01ED1028AD78}"/>
+              </a:ext>
+            </a:extLst>
+          </p:cNvPr>
+          <p:cNvSpPr txBox="1"/>
+          <p:nvPr/>
+        </p:nvSpPr>
+        <p:spPr>
+          <a:xfrm>
+            <a:off x="7189075" y="6400461"/>
+            <a:ext cx="2963918" cy="253916"/>
+          </a:xfrm>
+          <a:prstGeom prst="rect">
+            <a:avLst/>
+          </a:prstGeom>
+          <a:noFill/>
+        </p:spPr>
+        <p:txBody>
+          <a:bodyPr wrap="square" rtlCol="0">
+            <a:spAutoFit/>
+          </a:bodyPr>
+          <a:lstStyle/>
+          <a:p>
+            <a:r>
+              <a:rPr lang="en-US" sz="1050">
+                <a:hlinkClick r:id="rId4"/>
+              </a:rPr>
+              <a:t>https://www.amazon.com/dp/B085H9TLCK/</a:t>
+            </a:r>
+            <a:endParaRPr lang="en-US" sz="1050"/>
           </a:p>
         </p:txBody>
       </p:sp>
       <p:pic>
         <p:nvPicPr>
-          <p:cNvPr id="9" name="Picture 8">
-            <a:extLst>
-              <a:ext uri="{FF2B5EF4-FFF2-40B4-BE49-F238E27FC236}">
-                <a16:creationId xmlns:a16="http://schemas.microsoft.com/office/drawing/2014/main" id="{D797B9DD-F455-4E18-CEF6-EFA837636A7A}"/>
+          <p:cNvPr id="10" name="Picture 9">
+            <a:extLst>
+              <a:ext uri="{FF2B5EF4-FFF2-40B4-BE49-F238E27FC236}">
+                <a16:creationId xmlns:a16="http://schemas.microsoft.com/office/drawing/2014/main" id="{B9E648C3-E577-CE50-0302-4273FBBEBFEB}"/>
               </a:ext>
             </a:extLst>
           </p:cNvPr>
@@ -4792,7 +4738,7 @@
           <p:nvPr/>
         </p:nvPicPr>
         <p:blipFill>
-          <a:blip r:embed="rId3" cstate="email">
+          <a:blip r:embed="rId5" cstate="email">
             <a:extLst>
               <a:ext uri="{28A0092B-C50C-407E-A947-70E740481C1C}">
                 <a14:useLocalDpi xmlns:a14="http://schemas.microsoft.com/office/drawing/2010/main"/>
@@ -4805,8 +4751,8 @@
         </p:blipFill>
         <p:spPr>
           <a:xfrm>
-            <a:off x="1344118" y="1851512"/>
-            <a:ext cx="2032000" cy="3429000"/>
+            <a:off x="7289143" y="4681457"/>
+            <a:ext cx="2863850" cy="1593850"/>
           </a:xfrm>
           <a:prstGeom prst="rect">
             <a:avLst/>
@@ -4815,10 +4761,10 @@
       </p:pic>
       <p:sp>
         <p:nvSpPr>
-          <p:cNvPr id="10" name="TextBox 9">
-            <a:extLst>
-              <a:ext uri="{FF2B5EF4-FFF2-40B4-BE49-F238E27FC236}">
-                <a16:creationId xmlns:a16="http://schemas.microsoft.com/office/drawing/2014/main" id="{37FEDD7C-A413-4B99-C553-E333462DF6D9}"/>
+          <p:cNvPr id="11" name="TextBox 10">
+            <a:extLst>
+              <a:ext uri="{FF2B5EF4-FFF2-40B4-BE49-F238E27FC236}">
+                <a16:creationId xmlns:a16="http://schemas.microsoft.com/office/drawing/2014/main" id="{632A9EDE-9CB6-56C4-5ACD-F3B9DDDAFB3C}"/>
               </a:ext>
             </a:extLst>
           </p:cNvPr>
@@ -4827,23 +4773,13 @@
         </p:nvSpPr>
         <p:spPr>
           <a:xfrm>
-            <a:off x="6794609" y="5614533"/>
-            <a:ext cx="4330262" cy="523220"/>
+            <a:off x="10468304" y="5053939"/>
+            <a:ext cx="1376855" cy="1600438"/>
           </a:xfrm>
           <a:prstGeom prst="rect">
             <a:avLst/>
           </a:prstGeom>
-          <a:solidFill>
-            <a:schemeClr val="accent4">
-              <a:lumMod val="20000"/>
-              <a:lumOff val="80000"/>
-            </a:schemeClr>
-          </a:solidFill>
-          <a:ln>
-            <a:solidFill>
-              <a:srgbClr val="FF0000"/>
-            </a:solidFill>
-          </a:ln>
+          <a:noFill/>
         </p:spPr>
         <p:txBody>
           <a:bodyPr wrap="square" rtlCol="0">
@@ -4852,23 +4788,441 @@
           <a:lstStyle/>
           <a:p>
             <a:r>
-              <a:rPr lang="en-US" sz="1400"/>
-              <a:t>NEMA 14-30</a:t>
-            </a:r>
-            <a:br>
-              <a:rPr lang="en-US" sz="1400"/>
-            </a:br>
-            <a:r>
-              <a:rPr lang="en-US" sz="1400"/>
-              <a:t>30A Leviton Outlet</a:t>
-            </a:r>
-          </a:p>
-        </p:txBody>
-      </p:sp>
+              <a:rPr lang="en-US" sz="1400">
+                <a:latin typeface="Menlo" panose="020B0609030804020204" pitchFamily="49" charset="0"/>
+                <a:ea typeface="Menlo" panose="020B0609030804020204" pitchFamily="49" charset="0"/>
+                <a:cs typeface="Menlo" panose="020B0609030804020204" pitchFamily="49" charset="0"/>
+              </a:rPr>
+              <a:t> 10'   $40</a:t>
+            </a:r>
+          </a:p>
+          <a:p>
+            <a:r>
+              <a:rPr lang="en-US" sz="1400">
+                <a:latin typeface="Menlo" panose="020B0609030804020204" pitchFamily="49" charset="0"/>
+                <a:ea typeface="Menlo" panose="020B0609030804020204" pitchFamily="49" charset="0"/>
+                <a:cs typeface="Menlo" panose="020B0609030804020204" pitchFamily="49" charset="0"/>
+              </a:rPr>
+              <a:t> 15'   $46</a:t>
+            </a:r>
+          </a:p>
+          <a:p>
+            <a:r>
+              <a:rPr lang="en-US" sz="1400">
+                <a:latin typeface="Menlo" panose="020B0609030804020204" pitchFamily="49" charset="0"/>
+                <a:ea typeface="Menlo" panose="020B0609030804020204" pitchFamily="49" charset="0"/>
+                <a:cs typeface="Menlo" panose="020B0609030804020204" pitchFamily="49" charset="0"/>
+              </a:rPr>
+              <a:t> 25'   $50</a:t>
+            </a:r>
+          </a:p>
+          <a:p>
+            <a:r>
+              <a:rPr lang="en-US" sz="1400">
+                <a:latin typeface="Menlo" panose="020B0609030804020204" pitchFamily="49" charset="0"/>
+                <a:ea typeface="Menlo" panose="020B0609030804020204" pitchFamily="49" charset="0"/>
+                <a:cs typeface="Menlo" panose="020B0609030804020204" pitchFamily="49" charset="0"/>
+              </a:rPr>
+              <a:t> 40'   $89</a:t>
+            </a:r>
+          </a:p>
+          <a:p>
+            <a:r>
+              <a:rPr lang="en-US" sz="1400">
+                <a:latin typeface="Menlo" panose="020B0609030804020204" pitchFamily="49" charset="0"/>
+                <a:ea typeface="Menlo" panose="020B0609030804020204" pitchFamily="49" charset="0"/>
+                <a:cs typeface="Menlo" panose="020B0609030804020204" pitchFamily="49" charset="0"/>
+              </a:rPr>
+              <a:t> 50'  $119</a:t>
+            </a:r>
+          </a:p>
+          <a:p>
+            <a:r>
+              <a:rPr lang="en-US" sz="1400">
+                <a:latin typeface="Menlo" panose="020B0609030804020204" pitchFamily="49" charset="0"/>
+                <a:ea typeface="Menlo" panose="020B0609030804020204" pitchFamily="49" charset="0"/>
+                <a:cs typeface="Menlo" panose="020B0609030804020204" pitchFamily="49" charset="0"/>
+              </a:rPr>
+              <a:t> 75'  $169</a:t>
+            </a:r>
+          </a:p>
+          <a:p>
+            <a:r>
+              <a:rPr lang="en-US" sz="1400">
+                <a:latin typeface="Menlo" panose="020B0609030804020204" pitchFamily="49" charset="0"/>
+                <a:ea typeface="Menlo" panose="020B0609030804020204" pitchFamily="49" charset="0"/>
+                <a:cs typeface="Menlo" panose="020B0609030804020204" pitchFamily="49" charset="0"/>
+              </a:rPr>
+              <a:t>100'  $209</a:t>
+            </a:r>
+          </a:p>
+        </p:txBody>
+      </p:sp>
+      <p:pic>
+        <p:nvPicPr>
+          <p:cNvPr id="12" name="Picture 11">
+            <a:extLst>
+              <a:ext uri="{FF2B5EF4-FFF2-40B4-BE49-F238E27FC236}">
+                <a16:creationId xmlns:a16="http://schemas.microsoft.com/office/drawing/2014/main" id="{E9DC072F-AAAF-599A-9C45-22E6F374C747}"/>
+              </a:ext>
+            </a:extLst>
+          </p:cNvPr>
+          <p:cNvPicPr>
+            <a:picLocks noChangeAspect="1"/>
+          </p:cNvPicPr>
+          <p:nvPr/>
+        </p:nvPicPr>
+        <p:blipFill>
+          <a:blip r:embed="rId6" cstate="email">
+            <a:extLst>
+              <a:ext uri="{28A0092B-C50C-407E-A947-70E740481C1C}">
+                <a14:useLocalDpi xmlns:a14="http://schemas.microsoft.com/office/drawing/2010/main"/>
+              </a:ext>
+            </a:extLst>
+          </a:blip>
+          <a:stretch>
+            <a:fillRect/>
+          </a:stretch>
+        </p:blipFill>
+        <p:spPr>
+          <a:xfrm>
+            <a:off x="9447490" y="119118"/>
+            <a:ext cx="2289513" cy="2158343"/>
+          </a:xfrm>
+          <a:prstGeom prst="rect">
+            <a:avLst/>
+          </a:prstGeom>
+        </p:spPr>
+      </p:pic>
+      <p:pic>
+        <p:nvPicPr>
+          <p:cNvPr id="13" name="Picture 12">
+            <a:extLst>
+              <a:ext uri="{FF2B5EF4-FFF2-40B4-BE49-F238E27FC236}">
+                <a16:creationId xmlns:a16="http://schemas.microsoft.com/office/drawing/2014/main" id="{D8DCA47F-FC67-A59C-94D1-11E25024507F}"/>
+              </a:ext>
+            </a:extLst>
+          </p:cNvPr>
+          <p:cNvPicPr>
+            <a:picLocks noChangeAspect="1"/>
+          </p:cNvPicPr>
+          <p:nvPr/>
+        </p:nvPicPr>
+        <p:blipFill>
+          <a:blip r:embed="rId5" cstate="email">
+            <a:extLst>
+              <a:ext uri="{28A0092B-C50C-407E-A947-70E740481C1C}">
+                <a14:useLocalDpi xmlns:a14="http://schemas.microsoft.com/office/drawing/2010/main"/>
+              </a:ext>
+            </a:extLst>
+          </a:blip>
+          <a:stretch>
+            <a:fillRect/>
+          </a:stretch>
+        </p:blipFill>
+        <p:spPr>
+          <a:xfrm>
+            <a:off x="7289143" y="4694460"/>
+            <a:ext cx="2863850" cy="1593850"/>
+          </a:xfrm>
+          <a:prstGeom prst="rect">
+            <a:avLst/>
+          </a:prstGeom>
+        </p:spPr>
+      </p:pic>
+      <p:sp>
+        <p:nvSpPr>
+          <p:cNvPr id="4" name="TextBox 3">
+            <a:extLst>
+              <a:ext uri="{FF2B5EF4-FFF2-40B4-BE49-F238E27FC236}">
+                <a16:creationId xmlns:a16="http://schemas.microsoft.com/office/drawing/2014/main" id="{BB53B008-EB3E-94AE-9FF4-935BD6E57CD6}"/>
+              </a:ext>
+            </a:extLst>
+          </p:cNvPr>
+          <p:cNvSpPr txBox="1"/>
+          <p:nvPr/>
+        </p:nvSpPr>
+        <p:spPr>
+          <a:xfrm>
+            <a:off x="43376" y="3610654"/>
+            <a:ext cx="3373821" cy="2677656"/>
+          </a:xfrm>
+          <a:prstGeom prst="rect">
+            <a:avLst/>
+          </a:prstGeom>
+          <a:noFill/>
+        </p:spPr>
+        <p:txBody>
+          <a:bodyPr wrap="square" rtlCol="0">
+            <a:spAutoFit/>
+          </a:bodyPr>
+          <a:lstStyle/>
+          <a:p>
+            <a:r>
+              <a:rPr lang="en-US" sz="1400" dirty="0"/>
+              <a:t>Use gasoline without Ethanol</a:t>
+            </a:r>
+          </a:p>
+          <a:p>
+            <a:r>
+              <a:rPr lang="en-US" sz="1400" dirty="0"/>
+              <a:t>the 24x7 CES gasoline station </a:t>
+            </a:r>
+          </a:p>
+          <a:p>
+            <a:r>
+              <a:rPr lang="en-US" sz="1400" dirty="0"/>
+              <a:t>276 E. Broadway, Monticello, NY</a:t>
+            </a:r>
+          </a:p>
+          <a:p>
+            <a:endParaRPr lang="en-US" sz="1400" dirty="0"/>
+          </a:p>
+          <a:p>
+            <a:r>
+              <a:rPr lang="en-US" sz="1400" b="1" dirty="0">
+                <a:solidFill>
+                  <a:srgbClr val="00B050"/>
+                </a:solidFill>
+              </a:rPr>
+              <a:t>CES = Combined Energy Services</a:t>
+            </a:r>
+          </a:p>
+          <a:p>
+            <a:endParaRPr lang="en-US" sz="1400" dirty="0"/>
+          </a:p>
+          <a:p>
+            <a:r>
+              <a:rPr lang="en-US" sz="1400" dirty="0"/>
+              <a:t>Also the main CES store:</a:t>
+            </a:r>
+          </a:p>
+          <a:p>
+            <a:r>
+              <a:rPr lang="en-US" sz="1400" dirty="0"/>
+              <a:t>216 East Broadway, Monticello, NY 12701</a:t>
+            </a:r>
+          </a:p>
+          <a:p>
+            <a:r>
+              <a:rPr lang="en-US" sz="1400" dirty="0"/>
+              <a:t>Phone: (845) 794-1210</a:t>
+            </a:r>
+          </a:p>
+          <a:p>
+            <a:r>
+              <a:rPr lang="en-US" sz="1400" dirty="0"/>
+              <a:t>Mon – Fri: 8 a.m. – 5 </a:t>
+            </a:r>
+            <a:r>
+              <a:rPr lang="en-US" sz="1400" dirty="0" err="1"/>
+              <a:t>p.m</a:t>
+            </a:r>
+            <a:r>
+              <a:rPr lang="en-US" sz="1400" dirty="0"/>
+              <a:t>, Closed Saturday</a:t>
+            </a:r>
+          </a:p>
+          <a:p>
+            <a:r>
+              <a:rPr lang="en-US" sz="1400" dirty="0">
+                <a:hlinkClick r:id="rId7"/>
+              </a:rPr>
+              <a:t>https://www.combinedenergyservices.com/engine-fuels/gasoline-ethanol-free</a:t>
+            </a:r>
+            <a:endParaRPr lang="en-US" sz="1400" dirty="0"/>
+          </a:p>
+        </p:txBody>
+      </p:sp>
+      <p:pic>
+        <p:nvPicPr>
+          <p:cNvPr id="15" name="Picture 14">
+            <a:extLst>
+              <a:ext uri="{FF2B5EF4-FFF2-40B4-BE49-F238E27FC236}">
+                <a16:creationId xmlns:a16="http://schemas.microsoft.com/office/drawing/2014/main" id="{ACCC76B1-3DBB-3BD0-FC22-0677ED6BF646}"/>
+              </a:ext>
+            </a:extLst>
+          </p:cNvPr>
+          <p:cNvPicPr>
+            <a:picLocks noChangeAspect="1"/>
+          </p:cNvPicPr>
+          <p:nvPr/>
+        </p:nvPicPr>
+        <p:blipFill>
+          <a:blip r:embed="rId8" cstate="email">
+            <a:extLst>
+              <a:ext uri="{28A0092B-C50C-407E-A947-70E740481C1C}">
+                <a14:useLocalDpi xmlns:a14="http://schemas.microsoft.com/office/drawing/2010/main"/>
+              </a:ext>
+            </a:extLst>
+          </a:blip>
+          <a:stretch>
+            <a:fillRect/>
+          </a:stretch>
+        </p:blipFill>
+        <p:spPr>
+          <a:xfrm>
+            <a:off x="3333091" y="3610654"/>
+            <a:ext cx="2818291" cy="1776409"/>
+          </a:xfrm>
+          <a:prstGeom prst="rect">
+            <a:avLst/>
+          </a:prstGeom>
+        </p:spPr>
+      </p:pic>
+      <p:sp>
+        <p:nvSpPr>
+          <p:cNvPr id="14" name="TextBox 13">
+            <a:extLst>
+              <a:ext uri="{FF2B5EF4-FFF2-40B4-BE49-F238E27FC236}">
+                <a16:creationId xmlns:a16="http://schemas.microsoft.com/office/drawing/2014/main" id="{0C89F8ED-8C84-43B7-89DA-6C3FD7D7AA1F}"/>
+              </a:ext>
+            </a:extLst>
+          </p:cNvPr>
+          <p:cNvSpPr txBox="1"/>
+          <p:nvPr/>
+        </p:nvSpPr>
+        <p:spPr>
+          <a:xfrm>
+            <a:off x="4272740" y="312311"/>
+            <a:ext cx="2963917" cy="1384995"/>
+          </a:xfrm>
+          <a:prstGeom prst="rect">
+            <a:avLst/>
+          </a:prstGeom>
+          <a:noFill/>
+        </p:spPr>
+        <p:txBody>
+          <a:bodyPr wrap="square" rtlCol="0">
+            <a:spAutoFit/>
+          </a:bodyPr>
+          <a:lstStyle/>
+          <a:p>
+            <a:r>
+              <a:rPr lang="en-US" sz="1400" dirty="0"/>
+              <a:t>Fuel Stabilizers:</a:t>
+            </a:r>
+          </a:p>
+          <a:p>
+            <a:r>
+              <a:rPr lang="en-US" sz="1400" dirty="0">
+                <a:hlinkClick r:id="rId9"/>
+              </a:rPr>
+              <a:t>https://</a:t>
+            </a:r>
+            <a:r>
+              <a:rPr lang="en-US" sz="1400" dirty="0" err="1">
+                <a:hlinkClick r:id="rId9"/>
+              </a:rPr>
+              <a:t>www.youtube.com</a:t>
+            </a:r>
+            <a:r>
+              <a:rPr lang="en-US" sz="1400" dirty="0">
+                <a:hlinkClick r:id="rId9"/>
+              </a:rPr>
+              <a:t>/</a:t>
+            </a:r>
+            <a:r>
+              <a:rPr lang="en-US" sz="1400" dirty="0" err="1">
+                <a:hlinkClick r:id="rId9"/>
+              </a:rPr>
+              <a:t>watch?v</a:t>
+            </a:r>
+            <a:r>
+              <a:rPr lang="en-US" sz="1400" dirty="0">
+                <a:hlinkClick r:id="rId9"/>
+              </a:rPr>
+              <a:t>=</a:t>
+            </a:r>
+            <a:r>
+              <a:rPr lang="en-US" sz="1400" dirty="0" err="1">
+                <a:hlinkClick r:id="rId9"/>
+              </a:rPr>
+              <a:t>OHXYWxMkhog</a:t>
+            </a:r>
+            <a:endParaRPr lang="en-US" sz="1400" dirty="0"/>
+          </a:p>
+          <a:p>
+            <a:r>
+              <a:rPr lang="en-US" sz="1400" dirty="0"/>
+              <a:t>The best – "STA-BL"</a:t>
+            </a:r>
+          </a:p>
+          <a:p>
+            <a:r>
+              <a:rPr lang="en-US" sz="1400" dirty="0">
+                <a:hlinkClick r:id="rId10"/>
+              </a:rPr>
+              <a:t>https://</a:t>
+            </a:r>
+            <a:r>
+              <a:rPr lang="en-US" sz="1400" dirty="0" err="1">
+                <a:hlinkClick r:id="rId10"/>
+              </a:rPr>
+              <a:t>www.amazon.com</a:t>
+            </a:r>
+            <a:r>
+              <a:rPr lang="en-US" sz="1400" dirty="0">
+                <a:hlinkClick r:id="rId10"/>
+              </a:rPr>
+              <a:t>/</a:t>
+            </a:r>
+            <a:r>
+              <a:rPr lang="en-US" sz="1400" dirty="0" err="1">
+                <a:hlinkClick r:id="rId10"/>
+              </a:rPr>
+              <a:t>dp</a:t>
+            </a:r>
+            <a:r>
+              <a:rPr lang="en-US" sz="1400" dirty="0">
+                <a:hlinkClick r:id="rId10"/>
+              </a:rPr>
+              <a:t>/B000B68V6I/</a:t>
+            </a:r>
+            <a:endParaRPr lang="en-US" sz="1400" dirty="0"/>
+          </a:p>
+        </p:txBody>
+      </p:sp>
+      <p:pic>
+        <p:nvPicPr>
+          <p:cNvPr id="16" name="Picture 15">
+            <a:extLst>
+              <a:ext uri="{FF2B5EF4-FFF2-40B4-BE49-F238E27FC236}">
+                <a16:creationId xmlns:a16="http://schemas.microsoft.com/office/drawing/2014/main" id="{4C6E4D08-2A37-418E-70C7-4A75A68EB547}"/>
+              </a:ext>
+            </a:extLst>
+          </p:cNvPr>
+          <p:cNvPicPr>
+            <a:picLocks noChangeAspect="1"/>
+          </p:cNvPicPr>
+          <p:nvPr/>
+        </p:nvPicPr>
+        <p:blipFill>
+          <a:blip r:embed="rId11" cstate="email">
+            <a:extLst>
+              <a:ext uri="{28A0092B-C50C-407E-A947-70E740481C1C}">
+                <a14:useLocalDpi xmlns:a14="http://schemas.microsoft.com/office/drawing/2010/main"/>
+              </a:ext>
+            </a:extLst>
+          </a:blip>
+          <a:stretch>
+            <a:fillRect/>
+          </a:stretch>
+        </p:blipFill>
+        <p:spPr>
+          <a:xfrm>
+            <a:off x="6938341" y="261610"/>
+            <a:ext cx="1051399" cy="1998061"/>
+          </a:xfrm>
+          <a:prstGeom prst="rect">
+            <a:avLst/>
+          </a:prstGeom>
+        </p:spPr>
+      </p:pic>
     </p:spTree>
     <p:extLst>
       <p:ext uri="{BB962C8B-B14F-4D97-AF65-F5344CB8AC3E}">
-        <p14:creationId xmlns:p14="http://schemas.microsoft.com/office/powerpoint/2010/main" val="3288051204"/>
+        <p14:creationId xmlns:p14="http://schemas.microsoft.com/office/powerpoint/2010/main" val="476876023"/>
       </p:ext>
     </p:extLst>
   </p:cSld>
@@ -4900,593 +5254,6 @@
           <p:cNvPr id="2" name="TextBox 1">
             <a:extLst>
               <a:ext uri="{FF2B5EF4-FFF2-40B4-BE49-F238E27FC236}">
-                <a16:creationId xmlns:a16="http://schemas.microsoft.com/office/drawing/2014/main" id="{B0E32E4B-A729-5C47-72B8-01415F3F149C}"/>
-              </a:ext>
-            </a:extLst>
-          </p:cNvPr>
-          <p:cNvSpPr txBox="1"/>
-          <p:nvPr/>
-        </p:nvSpPr>
-        <p:spPr>
-          <a:xfrm>
-            <a:off x="0" y="0"/>
-            <a:ext cx="2795752" cy="523220"/>
-          </a:xfrm>
-          <a:prstGeom prst="rect">
-            <a:avLst/>
-          </a:prstGeom>
-          <a:noFill/>
-        </p:spPr>
-        <p:txBody>
-          <a:bodyPr wrap="square" rtlCol="0">
-            <a:spAutoFit/>
-          </a:bodyPr>
-          <a:lstStyle/>
-          <a:p>
-            <a:r>
-              <a:rPr lang="en-US" sz="2800" b="1"/>
-              <a:t>Honda EU7000is</a:t>
-            </a:r>
-          </a:p>
-        </p:txBody>
-      </p:sp>
-      <p:pic>
-        <p:nvPicPr>
-          <p:cNvPr id="3" name="Picture 2">
-            <a:extLst>
-              <a:ext uri="{FF2B5EF4-FFF2-40B4-BE49-F238E27FC236}">
-                <a16:creationId xmlns:a16="http://schemas.microsoft.com/office/drawing/2014/main" id="{3314BA51-EDB5-4E61-9566-99E5138CFA92}"/>
-              </a:ext>
-            </a:extLst>
-          </p:cNvPr>
-          <p:cNvPicPr>
-            <a:picLocks noChangeAspect="1"/>
-          </p:cNvPicPr>
-          <p:nvPr/>
-        </p:nvPicPr>
-        <p:blipFill>
-          <a:blip r:embed="rId2" cstate="email">
-            <a:extLst>
-              <a:ext uri="{28A0092B-C50C-407E-A947-70E740481C1C}">
-                <a14:useLocalDpi xmlns:a14="http://schemas.microsoft.com/office/drawing/2010/main"/>
-              </a:ext>
-            </a:extLst>
-          </a:blip>
-          <a:stretch>
-            <a:fillRect/>
-          </a:stretch>
-        </p:blipFill>
-        <p:spPr>
-          <a:xfrm>
-            <a:off x="566073" y="511284"/>
-            <a:ext cx="3207141" cy="2917716"/>
-          </a:xfrm>
-          <a:prstGeom prst="rect">
-            <a:avLst/>
-          </a:prstGeom>
-        </p:spPr>
-      </p:pic>
-      <p:sp>
-        <p:nvSpPr>
-          <p:cNvPr id="5" name="TextBox 4">
-            <a:extLst>
-              <a:ext uri="{FF2B5EF4-FFF2-40B4-BE49-F238E27FC236}">
-                <a16:creationId xmlns:a16="http://schemas.microsoft.com/office/drawing/2014/main" id="{9E782358-62C0-8346-DA70-6D7A2D6E0636}"/>
-              </a:ext>
-            </a:extLst>
-          </p:cNvPr>
-          <p:cNvSpPr txBox="1"/>
-          <p:nvPr/>
-        </p:nvSpPr>
-        <p:spPr>
-          <a:xfrm>
-            <a:off x="7830207" y="3817941"/>
-            <a:ext cx="2648607" cy="253916"/>
-          </a:xfrm>
-          <a:prstGeom prst="rect">
-            <a:avLst/>
-          </a:prstGeom>
-          <a:noFill/>
-        </p:spPr>
-        <p:txBody>
-          <a:bodyPr wrap="square">
-            <a:spAutoFit/>
-          </a:bodyPr>
-          <a:lstStyle/>
-          <a:p>
-            <a:r>
-              <a:rPr lang="en-US" sz="1050">
-                <a:hlinkClick r:id="rId3"/>
-              </a:rPr>
-              <a:t>https://www.amazon.com/dp/B08GLJRR4K</a:t>
-            </a:r>
-            <a:endParaRPr lang="en-US" sz="1050"/>
-          </a:p>
-        </p:txBody>
-      </p:sp>
-      <p:pic>
-        <p:nvPicPr>
-          <p:cNvPr id="6" name="Picture 5">
-            <a:extLst>
-              <a:ext uri="{FF2B5EF4-FFF2-40B4-BE49-F238E27FC236}">
-                <a16:creationId xmlns:a16="http://schemas.microsoft.com/office/drawing/2014/main" id="{E462A01C-7816-1F3D-DCB8-9C8F0E88DB54}"/>
-              </a:ext>
-            </a:extLst>
-          </p:cNvPr>
-          <p:cNvPicPr>
-            <a:picLocks noChangeAspect="1"/>
-          </p:cNvPicPr>
-          <p:nvPr/>
-        </p:nvPicPr>
-        <p:blipFill>
-          <a:blip r:embed="rId4" cstate="email">
-            <a:extLst>
-              <a:ext uri="{28A0092B-C50C-407E-A947-70E740481C1C}">
-                <a14:useLocalDpi xmlns:a14="http://schemas.microsoft.com/office/drawing/2010/main"/>
-              </a:ext>
-            </a:extLst>
-          </a:blip>
-          <a:stretch>
-            <a:fillRect/>
-          </a:stretch>
-        </p:blipFill>
-        <p:spPr>
-          <a:xfrm>
-            <a:off x="8418787" y="108607"/>
-            <a:ext cx="2289513" cy="2158343"/>
-          </a:xfrm>
-          <a:prstGeom prst="rect">
-            <a:avLst/>
-          </a:prstGeom>
-        </p:spPr>
-      </p:pic>
-      <p:sp>
-        <p:nvSpPr>
-          <p:cNvPr id="7" name="TextBox 6">
-            <a:extLst>
-              <a:ext uri="{FF2B5EF4-FFF2-40B4-BE49-F238E27FC236}">
-                <a16:creationId xmlns:a16="http://schemas.microsoft.com/office/drawing/2014/main" id="{27BD339F-C95E-6936-A9D9-97B921982029}"/>
-              </a:ext>
-            </a:extLst>
-          </p:cNvPr>
-          <p:cNvSpPr txBox="1"/>
-          <p:nvPr/>
-        </p:nvSpPr>
-        <p:spPr>
-          <a:xfrm>
-            <a:off x="7514896" y="2648390"/>
-            <a:ext cx="3541986" cy="1169551"/>
-          </a:xfrm>
-          <a:prstGeom prst="rect">
-            <a:avLst/>
-          </a:prstGeom>
-          <a:noFill/>
-        </p:spPr>
-        <p:txBody>
-          <a:bodyPr wrap="square" rtlCol="0">
-            <a:spAutoFit/>
-          </a:bodyPr>
-          <a:lstStyle/>
-          <a:p>
-            <a:r>
-              <a:rPr lang="en-US" sz="1400"/>
-              <a:t>WELLUCK 30 Amp Generator Power Inlet Box, NEMA 3R Power Inlet Box with 4 Prone, PB30, L14-30P, 125/250 Volt, 7500W Generator Inlet for Outdoor Receptacle, Generator Outlet, Weatherproof, ETL Listed</a:t>
-            </a:r>
-          </a:p>
-        </p:txBody>
-      </p:sp>
-      <p:sp>
-        <p:nvSpPr>
-          <p:cNvPr id="8" name="TextBox 7">
-            <a:extLst>
-              <a:ext uri="{FF2B5EF4-FFF2-40B4-BE49-F238E27FC236}">
-                <a16:creationId xmlns:a16="http://schemas.microsoft.com/office/drawing/2014/main" id="{ABE418A0-47E8-3486-75DD-01ED1028AD78}"/>
-              </a:ext>
-            </a:extLst>
-          </p:cNvPr>
-          <p:cNvSpPr txBox="1"/>
-          <p:nvPr/>
-        </p:nvSpPr>
-        <p:spPr>
-          <a:xfrm>
-            <a:off x="7189075" y="6400461"/>
-            <a:ext cx="2963918" cy="253916"/>
-          </a:xfrm>
-          <a:prstGeom prst="rect">
-            <a:avLst/>
-          </a:prstGeom>
-          <a:noFill/>
-        </p:spPr>
-        <p:txBody>
-          <a:bodyPr wrap="square" rtlCol="0">
-            <a:spAutoFit/>
-          </a:bodyPr>
-          <a:lstStyle/>
-          <a:p>
-            <a:r>
-              <a:rPr lang="en-US" sz="1050">
-                <a:hlinkClick r:id="rId5"/>
-              </a:rPr>
-              <a:t>https://www.amazon.com/dp/B085H9TLCK/</a:t>
-            </a:r>
-            <a:endParaRPr lang="en-US" sz="1050"/>
-          </a:p>
-        </p:txBody>
-      </p:sp>
-      <p:pic>
-        <p:nvPicPr>
-          <p:cNvPr id="10" name="Picture 9">
-            <a:extLst>
-              <a:ext uri="{FF2B5EF4-FFF2-40B4-BE49-F238E27FC236}">
-                <a16:creationId xmlns:a16="http://schemas.microsoft.com/office/drawing/2014/main" id="{B9E648C3-E577-CE50-0302-4273FBBEBFEB}"/>
-              </a:ext>
-            </a:extLst>
-          </p:cNvPr>
-          <p:cNvPicPr>
-            <a:picLocks noChangeAspect="1"/>
-          </p:cNvPicPr>
-          <p:nvPr/>
-        </p:nvPicPr>
-        <p:blipFill>
-          <a:blip r:embed="rId6" cstate="email">
-            <a:extLst>
-              <a:ext uri="{28A0092B-C50C-407E-A947-70E740481C1C}">
-                <a14:useLocalDpi xmlns:a14="http://schemas.microsoft.com/office/drawing/2010/main"/>
-              </a:ext>
-            </a:extLst>
-          </a:blip>
-          <a:stretch>
-            <a:fillRect/>
-          </a:stretch>
-        </p:blipFill>
-        <p:spPr>
-          <a:xfrm>
-            <a:off x="7289143" y="4681457"/>
-            <a:ext cx="2863850" cy="1593850"/>
-          </a:xfrm>
-          <a:prstGeom prst="rect">
-            <a:avLst/>
-          </a:prstGeom>
-        </p:spPr>
-      </p:pic>
-      <p:sp>
-        <p:nvSpPr>
-          <p:cNvPr id="11" name="TextBox 10">
-            <a:extLst>
-              <a:ext uri="{FF2B5EF4-FFF2-40B4-BE49-F238E27FC236}">
-                <a16:creationId xmlns:a16="http://schemas.microsoft.com/office/drawing/2014/main" id="{632A9EDE-9CB6-56C4-5ACD-F3B9DDDAFB3C}"/>
-              </a:ext>
-            </a:extLst>
-          </p:cNvPr>
-          <p:cNvSpPr txBox="1"/>
-          <p:nvPr/>
-        </p:nvSpPr>
-        <p:spPr>
-          <a:xfrm>
-            <a:off x="10468304" y="5053939"/>
-            <a:ext cx="1376855" cy="1600438"/>
-          </a:xfrm>
-          <a:prstGeom prst="rect">
-            <a:avLst/>
-          </a:prstGeom>
-          <a:noFill/>
-        </p:spPr>
-        <p:txBody>
-          <a:bodyPr wrap="square" rtlCol="0">
-            <a:spAutoFit/>
-          </a:bodyPr>
-          <a:lstStyle/>
-          <a:p>
-            <a:r>
-              <a:rPr lang="en-US" sz="1400">
-                <a:latin typeface="Menlo" panose="020B0609030804020204" pitchFamily="49" charset="0"/>
-                <a:ea typeface="Menlo" panose="020B0609030804020204" pitchFamily="49" charset="0"/>
-                <a:cs typeface="Menlo" panose="020B0609030804020204" pitchFamily="49" charset="0"/>
-              </a:rPr>
-              <a:t> 10'   $40</a:t>
-            </a:r>
-          </a:p>
-          <a:p>
-            <a:r>
-              <a:rPr lang="en-US" sz="1400">
-                <a:latin typeface="Menlo" panose="020B0609030804020204" pitchFamily="49" charset="0"/>
-                <a:ea typeface="Menlo" panose="020B0609030804020204" pitchFamily="49" charset="0"/>
-                <a:cs typeface="Menlo" panose="020B0609030804020204" pitchFamily="49" charset="0"/>
-              </a:rPr>
-              <a:t> 15'   $46</a:t>
-            </a:r>
-          </a:p>
-          <a:p>
-            <a:r>
-              <a:rPr lang="en-US" sz="1400">
-                <a:latin typeface="Menlo" panose="020B0609030804020204" pitchFamily="49" charset="0"/>
-                <a:ea typeface="Menlo" panose="020B0609030804020204" pitchFamily="49" charset="0"/>
-                <a:cs typeface="Menlo" panose="020B0609030804020204" pitchFamily="49" charset="0"/>
-              </a:rPr>
-              <a:t> 25'   $50</a:t>
-            </a:r>
-          </a:p>
-          <a:p>
-            <a:r>
-              <a:rPr lang="en-US" sz="1400">
-                <a:latin typeface="Menlo" panose="020B0609030804020204" pitchFamily="49" charset="0"/>
-                <a:ea typeface="Menlo" panose="020B0609030804020204" pitchFamily="49" charset="0"/>
-                <a:cs typeface="Menlo" panose="020B0609030804020204" pitchFamily="49" charset="0"/>
-              </a:rPr>
-              <a:t> 40'   $89</a:t>
-            </a:r>
-          </a:p>
-          <a:p>
-            <a:r>
-              <a:rPr lang="en-US" sz="1400">
-                <a:latin typeface="Menlo" panose="020B0609030804020204" pitchFamily="49" charset="0"/>
-                <a:ea typeface="Menlo" panose="020B0609030804020204" pitchFamily="49" charset="0"/>
-                <a:cs typeface="Menlo" panose="020B0609030804020204" pitchFamily="49" charset="0"/>
-              </a:rPr>
-              <a:t> 50'  $119</a:t>
-            </a:r>
-          </a:p>
-          <a:p>
-            <a:r>
-              <a:rPr lang="en-US" sz="1400">
-                <a:latin typeface="Menlo" panose="020B0609030804020204" pitchFamily="49" charset="0"/>
-                <a:ea typeface="Menlo" panose="020B0609030804020204" pitchFamily="49" charset="0"/>
-                <a:cs typeface="Menlo" panose="020B0609030804020204" pitchFamily="49" charset="0"/>
-              </a:rPr>
-              <a:t> 75'  $169</a:t>
-            </a:r>
-          </a:p>
-          <a:p>
-            <a:r>
-              <a:rPr lang="en-US" sz="1400">
-                <a:latin typeface="Menlo" panose="020B0609030804020204" pitchFamily="49" charset="0"/>
-                <a:ea typeface="Menlo" panose="020B0609030804020204" pitchFamily="49" charset="0"/>
-                <a:cs typeface="Menlo" panose="020B0609030804020204" pitchFamily="49" charset="0"/>
-              </a:rPr>
-              <a:t>100'  $209</a:t>
-            </a:r>
-          </a:p>
-        </p:txBody>
-      </p:sp>
-      <p:pic>
-        <p:nvPicPr>
-          <p:cNvPr id="12" name="Picture 11">
-            <a:extLst>
-              <a:ext uri="{FF2B5EF4-FFF2-40B4-BE49-F238E27FC236}">
-                <a16:creationId xmlns:a16="http://schemas.microsoft.com/office/drawing/2014/main" id="{E9DC072F-AAAF-599A-9C45-22E6F374C747}"/>
-              </a:ext>
-            </a:extLst>
-          </p:cNvPr>
-          <p:cNvPicPr>
-            <a:picLocks noChangeAspect="1"/>
-          </p:cNvPicPr>
-          <p:nvPr/>
-        </p:nvPicPr>
-        <p:blipFill>
-          <a:blip r:embed="rId4" cstate="email">
-            <a:extLst>
-              <a:ext uri="{28A0092B-C50C-407E-A947-70E740481C1C}">
-                <a14:useLocalDpi xmlns:a14="http://schemas.microsoft.com/office/drawing/2010/main"/>
-              </a:ext>
-            </a:extLst>
-          </a:blip>
-          <a:stretch>
-            <a:fillRect/>
-          </a:stretch>
-        </p:blipFill>
-        <p:spPr>
-          <a:xfrm>
-            <a:off x="8418787" y="119118"/>
-            <a:ext cx="2289513" cy="2158343"/>
-          </a:xfrm>
-          <a:prstGeom prst="rect">
-            <a:avLst/>
-          </a:prstGeom>
-        </p:spPr>
-      </p:pic>
-      <p:pic>
-        <p:nvPicPr>
-          <p:cNvPr id="13" name="Picture 12">
-            <a:extLst>
-              <a:ext uri="{FF2B5EF4-FFF2-40B4-BE49-F238E27FC236}">
-                <a16:creationId xmlns:a16="http://schemas.microsoft.com/office/drawing/2014/main" id="{D8DCA47F-FC67-A59C-94D1-11E25024507F}"/>
-              </a:ext>
-            </a:extLst>
-          </p:cNvPr>
-          <p:cNvPicPr>
-            <a:picLocks noChangeAspect="1"/>
-          </p:cNvPicPr>
-          <p:nvPr/>
-        </p:nvPicPr>
-        <p:blipFill>
-          <a:blip r:embed="rId6" cstate="email">
-            <a:extLst>
-              <a:ext uri="{28A0092B-C50C-407E-A947-70E740481C1C}">
-                <a14:useLocalDpi xmlns:a14="http://schemas.microsoft.com/office/drawing/2010/main"/>
-              </a:ext>
-            </a:extLst>
-          </a:blip>
-          <a:stretch>
-            <a:fillRect/>
-          </a:stretch>
-        </p:blipFill>
-        <p:spPr>
-          <a:xfrm>
-            <a:off x="7289143" y="4694460"/>
-            <a:ext cx="2863850" cy="1593850"/>
-          </a:xfrm>
-          <a:prstGeom prst="rect">
-            <a:avLst/>
-          </a:prstGeom>
-        </p:spPr>
-      </p:pic>
-      <p:sp>
-        <p:nvSpPr>
-          <p:cNvPr id="4" name="TextBox 3">
-            <a:extLst>
-              <a:ext uri="{FF2B5EF4-FFF2-40B4-BE49-F238E27FC236}">
-                <a16:creationId xmlns:a16="http://schemas.microsoft.com/office/drawing/2014/main" id="{BB53B008-EB3E-94AE-9FF4-935BD6E57CD6}"/>
-              </a:ext>
-            </a:extLst>
-          </p:cNvPr>
-          <p:cNvSpPr txBox="1"/>
-          <p:nvPr/>
-        </p:nvSpPr>
-        <p:spPr>
-          <a:xfrm>
-            <a:off x="399393" y="3761277"/>
-            <a:ext cx="3373821" cy="2677656"/>
-          </a:xfrm>
-          <a:prstGeom prst="rect">
-            <a:avLst/>
-          </a:prstGeom>
-          <a:noFill/>
-        </p:spPr>
-        <p:txBody>
-          <a:bodyPr wrap="square" rtlCol="0">
-            <a:spAutoFit/>
-          </a:bodyPr>
-          <a:lstStyle/>
-          <a:p>
-            <a:r>
-              <a:rPr lang="en-US" sz="1400"/>
-              <a:t>Use gasoline without Ethanol</a:t>
-            </a:r>
-          </a:p>
-          <a:p>
-            <a:r>
-              <a:rPr lang="en-US" sz="1400"/>
-              <a:t>the 24x7 CES gasoline station </a:t>
-            </a:r>
-          </a:p>
-          <a:p>
-            <a:r>
-              <a:rPr lang="en-US" sz="1400"/>
-              <a:t>276 E. Broadway, Monticello, NY</a:t>
-            </a:r>
-          </a:p>
-          <a:p>
-            <a:endParaRPr lang="en-US" sz="1400"/>
-          </a:p>
-          <a:p>
-            <a:r>
-              <a:rPr lang="en-US" sz="1400" b="1">
-                <a:solidFill>
-                  <a:srgbClr val="00B050"/>
-                </a:solidFill>
-              </a:rPr>
-              <a:t>CES = Combined Energy Services</a:t>
-            </a:r>
-          </a:p>
-          <a:p>
-            <a:endParaRPr lang="en-US" sz="1400"/>
-          </a:p>
-          <a:p>
-            <a:r>
-              <a:rPr lang="en-US" sz="1400"/>
-              <a:t>Also the main CES store:</a:t>
-            </a:r>
-          </a:p>
-          <a:p>
-            <a:r>
-              <a:rPr lang="en-US" sz="1400"/>
-              <a:t>216 East Broadway, Monticello, NY 12701</a:t>
-            </a:r>
-          </a:p>
-          <a:p>
-            <a:r>
-              <a:rPr lang="en-US" sz="1400"/>
-              <a:t>Phone: (845) 794-1210</a:t>
-            </a:r>
-          </a:p>
-          <a:p>
-            <a:r>
-              <a:rPr lang="en-US" sz="1400"/>
-              <a:t>Mon – Fri: 8 a.m. – 5 p.m, Closed Saturday</a:t>
-            </a:r>
-          </a:p>
-          <a:p>
-            <a:r>
-              <a:rPr lang="en-US" sz="1400">
-                <a:hlinkClick r:id="rId7"/>
-              </a:rPr>
-              <a:t>https://www.combinedenergyservices.com/engine-fuels/gasoline-ethanol-free</a:t>
-            </a:r>
-            <a:endParaRPr lang="en-US" sz="1400"/>
-          </a:p>
-        </p:txBody>
-      </p:sp>
-      <p:pic>
-        <p:nvPicPr>
-          <p:cNvPr id="15" name="Picture 14">
-            <a:extLst>
-              <a:ext uri="{FF2B5EF4-FFF2-40B4-BE49-F238E27FC236}">
-                <a16:creationId xmlns:a16="http://schemas.microsoft.com/office/drawing/2014/main" id="{ACCC76B1-3DBB-3BD0-FC22-0677ED6BF646}"/>
-              </a:ext>
-            </a:extLst>
-          </p:cNvPr>
-          <p:cNvPicPr>
-            <a:picLocks noChangeAspect="1"/>
-          </p:cNvPicPr>
-          <p:nvPr/>
-        </p:nvPicPr>
-        <p:blipFill>
-          <a:blip r:embed="rId8" cstate="email">
-            <a:extLst>
-              <a:ext uri="{28A0092B-C50C-407E-A947-70E740481C1C}">
-                <a14:useLocalDpi xmlns:a14="http://schemas.microsoft.com/office/drawing/2010/main"/>
-              </a:ext>
-            </a:extLst>
-          </a:blip>
-          <a:stretch>
-            <a:fillRect/>
-          </a:stretch>
-        </p:blipFill>
-        <p:spPr>
-          <a:xfrm>
-            <a:off x="3969858" y="2648390"/>
-            <a:ext cx="2818291" cy="1776409"/>
-          </a:xfrm>
-          <a:prstGeom prst="rect">
-            <a:avLst/>
-          </a:prstGeom>
-        </p:spPr>
-      </p:pic>
-    </p:spTree>
-    <p:extLst>
-      <p:ext uri="{BB962C8B-B14F-4D97-AF65-F5344CB8AC3E}">
-        <p14:creationId xmlns:p14="http://schemas.microsoft.com/office/powerpoint/2010/main" val="476876023"/>
-      </p:ext>
-    </p:extLst>
-  </p:cSld>
-  <p:clrMapOvr>
-    <a:masterClrMapping/>
-  </p:clrMapOvr>
-</p:sld>
-</file>
-
-<file path=ppt/slides/slide6.xml><?xml version="1.0" encoding="utf-8"?>
-<p:sld xmlns:a="http://schemas.openxmlformats.org/drawingml/2006/main" xmlns:r="http://schemas.openxmlformats.org/officeDocument/2006/relationships" xmlns:p="http://schemas.openxmlformats.org/presentationml/2006/main">
-  <p:cSld>
-    <p:spTree>
-      <p:nvGrpSpPr>
-        <p:cNvPr id="1" name=""/>
-        <p:cNvGrpSpPr/>
-        <p:nvPr/>
-      </p:nvGrpSpPr>
-      <p:grpSpPr>
-        <a:xfrm>
-          <a:off x="0" y="0"/>
-          <a:ext cx="0" cy="0"/>
-          <a:chOff x="0" y="0"/>
-          <a:chExt cx="0" cy="0"/>
-        </a:xfrm>
-      </p:grpSpPr>
-      <p:sp>
-        <p:nvSpPr>
-          <p:cNvPr id="2" name="TextBox 1">
-            <a:extLst>
-              <a:ext uri="{FF2B5EF4-FFF2-40B4-BE49-F238E27FC236}">
                 <a16:creationId xmlns:a16="http://schemas.microsoft.com/office/drawing/2014/main" id="{EE36FE47-BB4C-FCF2-33ED-2A30345CD962}"/>
               </a:ext>
             </a:extLst>
@@ -5795,7 +5562,7 @@
 </p:sld>
 </file>
 
-<file path=ppt/slides/slide7.xml><?xml version="1.0" encoding="utf-8"?>
+<file path=ppt/slides/slide6.xml><?xml version="1.0" encoding="utf-8"?>
 <p:sld xmlns:a="http://schemas.openxmlformats.org/drawingml/2006/main" xmlns:r="http://schemas.openxmlformats.org/officeDocument/2006/relationships" xmlns:p="http://schemas.openxmlformats.org/presentationml/2006/main">
   <p:cSld>
     <p:spTree>
